--- a/ソフトウェア総合演習.pptx
+++ b/ソフトウェア総合演習.pptx
@@ -18,6 +18,8 @@
     <p:sldId id="264" r:id="rId12"/>
     <p:sldId id="265" r:id="rId13"/>
     <p:sldId id="260" r:id="rId14"/>
+    <p:sldId id="270" r:id="rId15"/>
+    <p:sldId id="271" r:id="rId16"/>
   </p:sldIdLst>
   <p:sldSz cx="12192000" cy="6858000"/>
   <p:notesSz cx="6858000" cy="9144000"/>
@@ -5821,9 +5823,23 @@
           <a:p>
             <a:r>
               <a:rPr kumimoji="1" lang="en-US" altLang="ja-JP" dirty="0"/>
-              <a:t>main</a:t>
-            </a:r>
-            <a:endParaRPr kumimoji="1" lang="ja-JP" altLang="en-US"/>
+              <a:t>Main</a:t>
+            </a:r>
+            <a:r>
+              <a:rPr kumimoji="1" lang="ja-JP" altLang="en-US"/>
+              <a:t>の構造体を説明</a:t>
+            </a:r>
+            <a:endParaRPr kumimoji="1" lang="en-US" altLang="ja-JP" dirty="0"/>
+          </a:p>
+          <a:p>
+            <a:pPr marL="0" indent="0">
+              <a:buNone/>
+            </a:pPr>
+            <a:r>
+              <a:rPr lang="ja-JP" altLang="en-US"/>
+              <a:t>関数が呼ばれる場所</a:t>
+            </a:r>
+            <a:endParaRPr kumimoji="1" lang="en-US" altLang="ja-JP" dirty="0"/>
           </a:p>
         </p:txBody>
       </p:sp>
@@ -5886,31 +5902,221 @@
           </a:p>
         </p:txBody>
       </p:sp>
-      <p:sp>
-        <p:nvSpPr>
-          <p:cNvPr id="3" name="コンテンツ プレースホルダー 2">
+      <p:graphicFrame>
+        <p:nvGraphicFramePr>
+          <p:cNvPr id="4" name="コンテンツ プレースホルダー 3">
             <a:extLst>
               <a:ext uri="{FF2B5EF4-FFF2-40B4-BE49-F238E27FC236}">
-                <a16:creationId xmlns:a16="http://schemas.microsoft.com/office/drawing/2014/main" id="{BD17EF73-0A1B-F447-8FB5-6F57C8F92F54}"/>
+                <a16:creationId xmlns:a16="http://schemas.microsoft.com/office/drawing/2014/main" id="{AC73AFFE-A836-6A42-B020-997011B44899}"/>
               </a:ext>
             </a:extLst>
           </p:cNvPr>
-          <p:cNvSpPr>
-            <a:spLocks noGrp="1"/>
-          </p:cNvSpPr>
+          <p:cNvGraphicFramePr>
+            <a:graphicFrameLocks noGrp="1"/>
+          </p:cNvGraphicFramePr>
           <p:nvPr>
             <p:ph idx="1"/>
-          </p:nvPr>
-        </p:nvSpPr>
-        <p:spPr/>
-        <p:txBody>
-          <a:bodyPr/>
-          <a:lstStyle/>
-          <a:p>
-            <a:endParaRPr kumimoji="1" lang="ja-JP" altLang="en-US"/>
-          </a:p>
-        </p:txBody>
-      </p:sp>
+            <p:extLst>
+              <p:ext uri="{D42A27DB-BD31-4B8C-83A1-F6EECF244321}">
+                <p14:modId xmlns:p14="http://schemas.microsoft.com/office/powerpoint/2010/main" val="4274755308"/>
+              </p:ext>
+            </p:extLst>
+          </p:nvPr>
+        </p:nvGraphicFramePr>
+        <p:xfrm>
+          <a:off x="819150" y="2222500"/>
+          <a:ext cx="8442960" cy="741680"/>
+        </p:xfrm>
+        <a:graphic>
+          <a:graphicData uri="http://schemas.openxmlformats.org/drawingml/2006/table">
+            <a:tbl>
+              <a:tblPr firstRow="1" bandRow="1">
+                <a:tableStyleId>{5C22544A-7EE6-4342-B048-85BDC9FD1C3A}</a:tableStyleId>
+              </a:tblPr>
+              <a:tblGrid>
+                <a:gridCol w="2110740">
+                  <a:extLst>
+                    <a:ext uri="{9D8B030D-6E8A-4147-A177-3AD203B41FA5}">
+                      <a16:colId xmlns:a16="http://schemas.microsoft.com/office/drawing/2014/main" val="493058189"/>
+                    </a:ext>
+                  </a:extLst>
+                </a:gridCol>
+                <a:gridCol w="2110740">
+                  <a:extLst>
+                    <a:ext uri="{9D8B030D-6E8A-4147-A177-3AD203B41FA5}">
+                      <a16:colId xmlns:a16="http://schemas.microsoft.com/office/drawing/2014/main" val="3786118370"/>
+                    </a:ext>
+                  </a:extLst>
+                </a:gridCol>
+                <a:gridCol w="2110740">
+                  <a:extLst>
+                    <a:ext uri="{9D8B030D-6E8A-4147-A177-3AD203B41FA5}">
+                      <a16:colId xmlns:a16="http://schemas.microsoft.com/office/drawing/2014/main" val="3352906287"/>
+                    </a:ext>
+                  </a:extLst>
+                </a:gridCol>
+                <a:gridCol w="2110740">
+                  <a:extLst>
+                    <a:ext uri="{9D8B030D-6E8A-4147-A177-3AD203B41FA5}">
+                      <a16:colId xmlns:a16="http://schemas.microsoft.com/office/drawing/2014/main" val="3542176352"/>
+                    </a:ext>
+                  </a:extLst>
+                </a:gridCol>
+              </a:tblGrid>
+              <a:tr h="370840">
+                <a:tc>
+                  <a:txBody>
+                    <a:bodyPr/>
+                    <a:lstStyle/>
+                    <a:p>
+                      <a:r>
+                        <a:rPr kumimoji="1" lang="ja-JP" altLang="en-US"/>
+                        <a:t>期待値</a:t>
+                      </a:r>
+                    </a:p>
+                  </a:txBody>
+                  <a:tcPr/>
+                </a:tc>
+                <a:tc>
+                  <a:txBody>
+                    <a:bodyPr/>
+                    <a:lstStyle/>
+                    <a:p>
+                      <a:endParaRPr kumimoji="1" lang="ja-JP" altLang="en-US"/>
+                    </a:p>
+                  </a:txBody>
+                  <a:tcPr/>
+                </a:tc>
+                <a:tc>
+                  <a:txBody>
+                    <a:bodyPr/>
+                    <a:lstStyle/>
+                    <a:p>
+                      <a:pPr marL="0" marR="0" lvl="0" indent="0" algn="l" defTabSz="457200" rtl="0" eaLnBrk="1" fontAlgn="auto" latinLnBrk="0" hangingPunct="1">
+                        <a:lnSpc>
+                          <a:spcPct val="100000"/>
+                        </a:lnSpc>
+                        <a:spcBef>
+                          <a:spcPts val="0"/>
+                        </a:spcBef>
+                        <a:spcAft>
+                          <a:spcPts val="0"/>
+                        </a:spcAft>
+                        <a:buClrTx/>
+                        <a:buSzTx/>
+                        <a:buFontTx/>
+                        <a:buNone/>
+                        <a:tabLst/>
+                        <a:defRPr/>
+                      </a:pPr>
+                      <a:r>
+                        <a:rPr kumimoji="1" lang="ja-JP" altLang="en-US"/>
+                        <a:t>実効値</a:t>
+                      </a:r>
+                    </a:p>
+                  </a:txBody>
+                  <a:tcPr/>
+                </a:tc>
+                <a:tc>
+                  <a:txBody>
+                    <a:bodyPr/>
+                    <a:lstStyle/>
+                    <a:p>
+                      <a:r>
+                        <a:rPr kumimoji="1" lang="ja-JP" altLang="en-US"/>
+                        <a:t>経路</a:t>
+                      </a:r>
+                    </a:p>
+                  </a:txBody>
+                  <a:tcPr/>
+                </a:tc>
+                <a:extLst>
+                  <a:ext uri="{0D108BD9-81ED-4DB2-BD59-A6C34878D82A}">
+                    <a16:rowId xmlns:a16="http://schemas.microsoft.com/office/drawing/2014/main" val="343428640"/>
+                  </a:ext>
+                </a:extLst>
+              </a:tr>
+              <a:tr h="370840">
+                <a:tc>
+                  <a:txBody>
+                    <a:bodyPr/>
+                    <a:lstStyle/>
+                    <a:p>
+                      <a:endParaRPr kumimoji="1" lang="ja-JP" altLang="en-US"/>
+                    </a:p>
+                  </a:txBody>
+                  <a:tcPr/>
+                </a:tc>
+                <a:tc>
+                  <a:txBody>
+                    <a:bodyPr/>
+                    <a:lstStyle/>
+                    <a:p>
+                      <a:endParaRPr kumimoji="1" lang="ja-JP" altLang="en-US"/>
+                    </a:p>
+                  </a:txBody>
+                  <a:tcPr/>
+                </a:tc>
+                <a:tc>
+                  <a:txBody>
+                    <a:bodyPr/>
+                    <a:lstStyle/>
+                    <a:p>
+                      <a:endParaRPr kumimoji="1" lang="ja-JP" altLang="en-US"/>
+                    </a:p>
+                  </a:txBody>
+                  <a:tcPr/>
+                </a:tc>
+                <a:tc>
+                  <a:txBody>
+                    <a:bodyPr/>
+                    <a:lstStyle/>
+                    <a:p>
+                      <a:endParaRPr kumimoji="1" lang="ja-JP" altLang="en-US"/>
+                    </a:p>
+                  </a:txBody>
+                  <a:tcPr/>
+                </a:tc>
+                <a:extLst>
+                  <a:ext uri="{0D108BD9-81ED-4DB2-BD59-A6C34878D82A}">
+                    <a16:rowId xmlns:a16="http://schemas.microsoft.com/office/drawing/2014/main" val="1338411220"/>
+                  </a:ext>
+                </a:extLst>
+              </a:tr>
+            </a:tbl>
+          </a:graphicData>
+        </a:graphic>
+      </p:graphicFrame>
+      <p:pic>
+        <p:nvPicPr>
+          <p:cNvPr id="6" name="図 5">
+            <a:extLst>
+              <a:ext uri="{FF2B5EF4-FFF2-40B4-BE49-F238E27FC236}">
+                <a16:creationId xmlns:a16="http://schemas.microsoft.com/office/drawing/2014/main" id="{A2B31BA6-B417-DF40-AD57-DF61AB6441D1}"/>
+              </a:ext>
+            </a:extLst>
+          </p:cNvPr>
+          <p:cNvPicPr>
+            <a:picLocks noChangeAspect="1"/>
+          </p:cNvPicPr>
+          <p:nvPr/>
+        </p:nvPicPr>
+        <p:blipFill>
+          <a:blip r:embed="rId2"/>
+          <a:stretch>
+            <a:fillRect/>
+          </a:stretch>
+        </p:blipFill>
+        <p:spPr>
+          <a:xfrm>
+            <a:off x="9507537" y="1938337"/>
+            <a:ext cx="1616598" cy="3648075"/>
+          </a:xfrm>
+          <a:prstGeom prst="rect">
+            <a:avLst/>
+          </a:prstGeom>
+        </p:spPr>
+      </p:pic>
     </p:spTree>
     <p:extLst>
       <p:ext uri="{BB962C8B-B14F-4D97-AF65-F5344CB8AC3E}">
@@ -6082,6 +6288,256 @@
     <p:extLst>
       <p:ext uri="{BB962C8B-B14F-4D97-AF65-F5344CB8AC3E}">
         <p14:creationId xmlns:p14="http://schemas.microsoft.com/office/powerpoint/2010/main" val="1662924399"/>
+      </p:ext>
+    </p:extLst>
+  </p:cSld>
+  <p:clrMapOvr>
+    <a:masterClrMapping/>
+  </p:clrMapOvr>
+</p:sld>
+</file>
+
+<file path=ppt/slides/slide14.xml><?xml version="1.0" encoding="utf-8"?>
+<p:sld xmlns:a="http://schemas.openxmlformats.org/drawingml/2006/main" xmlns:r="http://schemas.openxmlformats.org/officeDocument/2006/relationships" xmlns:p="http://schemas.openxmlformats.org/presentationml/2006/main">
+  <p:cSld>
+    <p:spTree>
+      <p:nvGrpSpPr>
+        <p:cNvPr id="1" name=""/>
+        <p:cNvGrpSpPr/>
+        <p:nvPr/>
+      </p:nvGrpSpPr>
+      <p:grpSpPr>
+        <a:xfrm>
+          <a:off x="0" y="0"/>
+          <a:ext cx="0" cy="0"/>
+          <a:chOff x="0" y="0"/>
+          <a:chExt cx="0" cy="0"/>
+        </a:xfrm>
+      </p:grpSpPr>
+      <p:sp>
+        <p:nvSpPr>
+          <p:cNvPr id="2" name="タイトル 1">
+            <a:extLst>
+              <a:ext uri="{FF2B5EF4-FFF2-40B4-BE49-F238E27FC236}">
+                <a16:creationId xmlns:a16="http://schemas.microsoft.com/office/drawing/2014/main" id="{88AC4F0E-895B-3D43-8BBC-8CB97A09231D}"/>
+              </a:ext>
+            </a:extLst>
+          </p:cNvPr>
+          <p:cNvSpPr>
+            <a:spLocks noGrp="1"/>
+          </p:cNvSpPr>
+          <p:nvPr>
+            <p:ph type="title"/>
+          </p:nvPr>
+        </p:nvSpPr>
+        <p:spPr/>
+        <p:txBody>
+          <a:bodyPr/>
+          <a:lstStyle/>
+          <a:p>
+            <a:r>
+              <a:rPr lang="ja-JP" altLang="en-US"/>
+              <a:t>各メンバーの役割りと貢献度</a:t>
+            </a:r>
+            <a:endParaRPr kumimoji="1" lang="ja-JP" altLang="en-US"/>
+          </a:p>
+        </p:txBody>
+      </p:sp>
+      <p:sp>
+        <p:nvSpPr>
+          <p:cNvPr id="3" name="コンテンツ プレースホルダー 2">
+            <a:extLst>
+              <a:ext uri="{FF2B5EF4-FFF2-40B4-BE49-F238E27FC236}">
+                <a16:creationId xmlns:a16="http://schemas.microsoft.com/office/drawing/2014/main" id="{8BD72CE5-2900-2D48-8244-5C114643E6F6}"/>
+              </a:ext>
+            </a:extLst>
+          </p:cNvPr>
+          <p:cNvSpPr>
+            <a:spLocks noGrp="1"/>
+          </p:cNvSpPr>
+          <p:nvPr>
+            <p:ph idx="1"/>
+          </p:nvPr>
+        </p:nvSpPr>
+        <p:spPr/>
+        <p:txBody>
+          <a:bodyPr/>
+          <a:lstStyle/>
+          <a:p>
+            <a:r>
+              <a:rPr kumimoji="1" lang="en-US" altLang="ja-JP" dirty="0"/>
+              <a:t>Ren </a:t>
+            </a:r>
+            <a:r>
+              <a:rPr kumimoji="1" lang="en-US" altLang="ja-JP" dirty="0" err="1"/>
+              <a:t>Munakata</a:t>
+            </a:r>
+            <a:endParaRPr kumimoji="1" lang="en-US" altLang="ja-JP" dirty="0"/>
+          </a:p>
+          <a:p>
+            <a:pPr marL="0" indent="0">
+              <a:buNone/>
+            </a:pPr>
+            <a:r>
+              <a:rPr lang="ja-JP" altLang="en-US"/>
+              <a:t>毎週レポートの提出</a:t>
+            </a:r>
+            <a:endParaRPr lang="en-US" altLang="ja-JP" dirty="0"/>
+          </a:p>
+          <a:p>
+            <a:pPr marL="0" indent="0">
+              <a:buNone/>
+            </a:pPr>
+            <a:r>
+              <a:rPr lang="ja-JP" altLang="en-US"/>
+              <a:t>メインの構造</a:t>
+            </a:r>
+            <a:endParaRPr lang="en-US" altLang="ja-JP" dirty="0"/>
+          </a:p>
+          <a:p>
+            <a:r>
+              <a:rPr lang="en-US" altLang="ja-JP" dirty="0"/>
+              <a:t>Satomi Nagata</a:t>
+            </a:r>
+          </a:p>
+          <a:p>
+            <a:pPr marL="0" indent="0">
+              <a:buNone/>
+            </a:pPr>
+            <a:r>
+              <a:rPr lang="ja-JP" altLang="en-US"/>
+              <a:t>関数交点を求める関数の作成</a:t>
+            </a:r>
+            <a:endParaRPr lang="en-US" altLang="ja-JP" dirty="0"/>
+          </a:p>
+          <a:p>
+            <a:pPr marL="0" indent="0">
+              <a:buNone/>
+            </a:pPr>
+            <a:r>
+              <a:rPr lang="ja-JP" altLang="en-US"/>
+              <a:t>最短経路を求める関数の作成</a:t>
+            </a:r>
+            <a:endParaRPr lang="en-US" altLang="ja-JP" dirty="0"/>
+          </a:p>
+        </p:txBody>
+      </p:sp>
+    </p:spTree>
+    <p:extLst>
+      <p:ext uri="{BB962C8B-B14F-4D97-AF65-F5344CB8AC3E}">
+        <p14:creationId xmlns:p14="http://schemas.microsoft.com/office/powerpoint/2010/main" val="2896063720"/>
+      </p:ext>
+    </p:extLst>
+  </p:cSld>
+  <p:clrMapOvr>
+    <a:masterClrMapping/>
+  </p:clrMapOvr>
+</p:sld>
+</file>
+
+<file path=ppt/slides/slide15.xml><?xml version="1.0" encoding="utf-8"?>
+<p:sld xmlns:a="http://schemas.openxmlformats.org/drawingml/2006/main" xmlns:r="http://schemas.openxmlformats.org/officeDocument/2006/relationships" xmlns:p="http://schemas.openxmlformats.org/presentationml/2006/main">
+  <p:cSld>
+    <p:spTree>
+      <p:nvGrpSpPr>
+        <p:cNvPr id="1" name=""/>
+        <p:cNvGrpSpPr/>
+        <p:nvPr/>
+      </p:nvGrpSpPr>
+      <p:grpSpPr>
+        <a:xfrm>
+          <a:off x="0" y="0"/>
+          <a:ext cx="0" cy="0"/>
+          <a:chOff x="0" y="0"/>
+          <a:chExt cx="0" cy="0"/>
+        </a:xfrm>
+      </p:grpSpPr>
+      <p:sp>
+        <p:nvSpPr>
+          <p:cNvPr id="2" name="タイトル 1">
+            <a:extLst>
+              <a:ext uri="{FF2B5EF4-FFF2-40B4-BE49-F238E27FC236}">
+                <a16:creationId xmlns:a16="http://schemas.microsoft.com/office/drawing/2014/main" id="{4446D102-1A8F-A94A-AA45-E041A91A2657}"/>
+              </a:ext>
+            </a:extLst>
+          </p:cNvPr>
+          <p:cNvSpPr>
+            <a:spLocks noGrp="1"/>
+          </p:cNvSpPr>
+          <p:nvPr>
+            <p:ph type="title"/>
+          </p:nvPr>
+        </p:nvSpPr>
+        <p:spPr/>
+        <p:txBody>
+          <a:bodyPr/>
+          <a:lstStyle/>
+          <a:p>
+            <a:r>
+              <a:rPr kumimoji="1" lang="ja-JP" altLang="en-US"/>
+              <a:t>今後の計画</a:t>
+            </a:r>
+          </a:p>
+        </p:txBody>
+      </p:sp>
+      <p:sp>
+        <p:nvSpPr>
+          <p:cNvPr id="3" name="コンテンツ プレースホルダー 2">
+            <a:extLst>
+              <a:ext uri="{FF2B5EF4-FFF2-40B4-BE49-F238E27FC236}">
+                <a16:creationId xmlns:a16="http://schemas.microsoft.com/office/drawing/2014/main" id="{9D0C8085-1EC7-8E43-9C0A-2A235E62EF5A}"/>
+              </a:ext>
+            </a:extLst>
+          </p:cNvPr>
+          <p:cNvSpPr>
+            <a:spLocks noGrp="1"/>
+          </p:cNvSpPr>
+          <p:nvPr>
+            <p:ph idx="1"/>
+          </p:nvPr>
+        </p:nvSpPr>
+        <p:spPr/>
+        <p:txBody>
+          <a:bodyPr/>
+          <a:lstStyle/>
+          <a:p>
+            <a:r>
+              <a:rPr kumimoji="1" lang="ja-JP" altLang="en-US"/>
+              <a:t>フェーズ２の</a:t>
+            </a:r>
+            <a:r>
+              <a:rPr kumimoji="1" lang="en-US" altLang="ja-JP" dirty="0"/>
+              <a:t>k</a:t>
+            </a:r>
+            <a:r>
+              <a:rPr kumimoji="1" lang="ja-JP" altLang="en-US"/>
+              <a:t>番目の最短経路を求めるために</a:t>
+            </a:r>
+            <a:r>
+              <a:rPr lang="ja-JP" altLang="en-US"/>
+              <a:t>ダイクストラ法を応用してプログラムに実装</a:t>
+            </a:r>
+            <a:endParaRPr lang="en-US" altLang="ja-JP" dirty="0"/>
+          </a:p>
+          <a:p>
+            <a:r>
+              <a:rPr lang="ja-JP" altLang="en-US"/>
+              <a:t>今回できなかったビジュアライズする</a:t>
+            </a:r>
+            <a:endParaRPr lang="en-US" altLang="ja-JP" dirty="0"/>
+          </a:p>
+          <a:p>
+            <a:pPr marL="0" indent="0">
+              <a:buNone/>
+            </a:pPr>
+            <a:endParaRPr lang="en-US" altLang="ja-JP" dirty="0"/>
+          </a:p>
+        </p:txBody>
+      </p:sp>
+    </p:spTree>
+    <p:extLst>
+      <p:ext uri="{BB962C8B-B14F-4D97-AF65-F5344CB8AC3E}">
+        <p14:creationId xmlns:p14="http://schemas.microsoft.com/office/powerpoint/2010/main" val="4022742386"/>
       </p:ext>
     </p:extLst>
   </p:cSld>
@@ -6609,13 +7065,13 @@
         </p:nvSpPr>
         <p:spPr>
           <a:xfrm>
-            <a:off x="818712" y="2293727"/>
-            <a:ext cx="10554574" cy="3636511"/>
+            <a:off x="428625" y="2293727"/>
+            <a:ext cx="10944661" cy="4564273"/>
           </a:xfrm>
         </p:spPr>
         <p:txBody>
           <a:bodyPr>
-            <a:normAutofit lnSpcReduction="10000"/>
+            <a:normAutofit/>
           </a:bodyPr>
           <a:lstStyle/>
           <a:p>
@@ -6659,6 +7115,12 @@
             <a:pPr marL="0" indent="0">
               <a:buNone/>
             </a:pPr>
+            <a:endParaRPr lang="en-US" altLang="ja-JP" dirty="0"/>
+          </a:p>
+          <a:p>
+            <a:pPr marL="0" indent="0">
+              <a:buNone/>
+            </a:pPr>
             <a:r>
               <a:rPr lang="en-US" altLang="ja-JP" dirty="0"/>
               <a:t>Step3</a:t>
@@ -6725,6 +7187,35 @@
           </a:p>
         </p:txBody>
       </p:sp>
+      <p:pic>
+        <p:nvPicPr>
+          <p:cNvPr id="7" name="図 6">
+            <a:extLst>
+              <a:ext uri="{FF2B5EF4-FFF2-40B4-BE49-F238E27FC236}">
+                <a16:creationId xmlns:a16="http://schemas.microsoft.com/office/drawing/2014/main" id="{B0132421-EB85-0B4E-9CCF-A53256BE3A10}"/>
+              </a:ext>
+            </a:extLst>
+          </p:cNvPr>
+          <p:cNvPicPr>
+            <a:picLocks noChangeAspect="1"/>
+          </p:cNvPicPr>
+          <p:nvPr/>
+        </p:nvPicPr>
+        <p:blipFill rotWithShape="1">
+          <a:blip r:embed="rId2"/>
+          <a:srcRect l="4937" t="21325" r="4542" b="3676"/>
+          <a:stretch/>
+        </p:blipFill>
+        <p:spPr>
+          <a:xfrm>
+            <a:off x="5414961" y="4090088"/>
+            <a:ext cx="5472113" cy="485775"/>
+          </a:xfrm>
+          <a:prstGeom prst="rect">
+            <a:avLst/>
+          </a:prstGeom>
+        </p:spPr>
+      </p:pic>
     </p:spTree>
     <p:extLst>
       <p:ext uri="{BB962C8B-B14F-4D97-AF65-F5344CB8AC3E}">
@@ -7191,6 +7682,9 @@
           <a:bodyPr/>
           <a:lstStyle/>
           <a:p>
+            <a:pPr marL="0" indent="0">
+              <a:buNone/>
+            </a:pPr>
             <a:endParaRPr kumimoji="1" lang="ja-JP" altLang="en-US"/>
           </a:p>
         </p:txBody>

--- a/ソフトウェア総合演習.pptx
+++ b/ソフトウェア総合演習.pptx
@@ -4,6 +4,9 @@
   <p:sldMasterIdLst>
     <p:sldMasterId id="2147483648" r:id="rId1"/>
   </p:sldMasterIdLst>
+  <p:notesMasterIdLst>
+    <p:notesMasterId r:id="rId17"/>
+  </p:notesMasterIdLst>
   <p:sldIdLst>
     <p:sldId id="256" r:id="rId2"/>
     <p:sldId id="257" r:id="rId3"/>
@@ -119,6 +122,555 @@
     </a:lvl9pPr>
   </p:defaultTextStyle>
 </p:presentation>
+</file>
+
+<file path=ppt/notesMasters/notesMaster1.xml><?xml version="1.0" encoding="utf-8"?>
+<p:notesMaster xmlns:a="http://schemas.openxmlformats.org/drawingml/2006/main" xmlns:r="http://schemas.openxmlformats.org/officeDocument/2006/relationships" xmlns:p="http://schemas.openxmlformats.org/presentationml/2006/main">
+  <p:cSld>
+    <p:bg>
+      <p:bgRef idx="1001">
+        <a:schemeClr val="bg1"/>
+      </p:bgRef>
+    </p:bg>
+    <p:spTree>
+      <p:nvGrpSpPr>
+        <p:cNvPr id="1" name=""/>
+        <p:cNvGrpSpPr/>
+        <p:nvPr/>
+      </p:nvGrpSpPr>
+      <p:grpSpPr>
+        <a:xfrm>
+          <a:off x="0" y="0"/>
+          <a:ext cx="0" cy="0"/>
+          <a:chOff x="0" y="0"/>
+          <a:chExt cx="0" cy="0"/>
+        </a:xfrm>
+      </p:grpSpPr>
+      <p:sp>
+        <p:nvSpPr>
+          <p:cNvPr id="2" name="ヘッダー プレースホルダー 1"/>
+          <p:cNvSpPr>
+            <a:spLocks noGrp="1"/>
+          </p:cNvSpPr>
+          <p:nvPr>
+            <p:ph type="hdr" sz="quarter"/>
+          </p:nvPr>
+        </p:nvSpPr>
+        <p:spPr>
+          <a:xfrm>
+            <a:off x="0" y="0"/>
+            <a:ext cx="2971800" cy="458788"/>
+          </a:xfrm>
+          <a:prstGeom prst="rect">
+            <a:avLst/>
+          </a:prstGeom>
+        </p:spPr>
+        <p:txBody>
+          <a:bodyPr vert="horz" lIns="91440" tIns="45720" rIns="91440" bIns="45720" rtlCol="0"/>
+          <a:lstStyle>
+            <a:lvl1pPr algn="l">
+              <a:defRPr sz="1200"/>
+            </a:lvl1pPr>
+          </a:lstStyle>
+          <a:p>
+            <a:endParaRPr kumimoji="1" lang="ja-JP" altLang="en-US"/>
+          </a:p>
+        </p:txBody>
+      </p:sp>
+      <p:sp>
+        <p:nvSpPr>
+          <p:cNvPr id="3" name="日付プレースホルダー 2"/>
+          <p:cNvSpPr>
+            <a:spLocks noGrp="1"/>
+          </p:cNvSpPr>
+          <p:nvPr>
+            <p:ph type="dt" idx="1"/>
+          </p:nvPr>
+        </p:nvSpPr>
+        <p:spPr>
+          <a:xfrm>
+            <a:off x="3884613" y="0"/>
+            <a:ext cx="2971800" cy="458788"/>
+          </a:xfrm>
+          <a:prstGeom prst="rect">
+            <a:avLst/>
+          </a:prstGeom>
+        </p:spPr>
+        <p:txBody>
+          <a:bodyPr vert="horz" lIns="91440" tIns="45720" rIns="91440" bIns="45720" rtlCol="0"/>
+          <a:lstStyle>
+            <a:lvl1pPr algn="r">
+              <a:defRPr sz="1200"/>
+            </a:lvl1pPr>
+          </a:lstStyle>
+          <a:p>
+            <a:fld id="{174EA21B-3421-084D-8DE6-19E2CE7C8C3E}" type="datetimeFigureOut">
+              <a:rPr kumimoji="1" lang="ja-JP" altLang="en-US" smtClean="0"/>
+              <a:t>2019/6/12</a:t>
+            </a:fld>
+            <a:endParaRPr kumimoji="1" lang="ja-JP" altLang="en-US"/>
+          </a:p>
+        </p:txBody>
+      </p:sp>
+      <p:sp>
+        <p:nvSpPr>
+          <p:cNvPr id="4" name="スライド イメージ プレースホルダー 3"/>
+          <p:cNvSpPr>
+            <a:spLocks noGrp="1" noRot="1" noChangeAspect="1"/>
+          </p:cNvSpPr>
+          <p:nvPr>
+            <p:ph type="sldImg" idx="2"/>
+          </p:nvPr>
+        </p:nvSpPr>
+        <p:spPr>
+          <a:xfrm>
+            <a:off x="685800" y="1143000"/>
+            <a:ext cx="5486400" cy="3086100"/>
+          </a:xfrm>
+          <a:prstGeom prst="rect">
+            <a:avLst/>
+          </a:prstGeom>
+          <a:noFill/>
+          <a:ln w="12700">
+            <a:solidFill>
+              <a:prstClr val="black"/>
+            </a:solidFill>
+          </a:ln>
+        </p:spPr>
+        <p:txBody>
+          <a:bodyPr vert="horz" lIns="91440" tIns="45720" rIns="91440" bIns="45720" rtlCol="0" anchor="ctr"/>
+          <a:lstStyle/>
+          <a:p>
+            <a:endParaRPr lang="ja-JP" altLang="en-US"/>
+          </a:p>
+        </p:txBody>
+      </p:sp>
+      <p:sp>
+        <p:nvSpPr>
+          <p:cNvPr id="5" name="ノート プレースホルダー 4"/>
+          <p:cNvSpPr>
+            <a:spLocks noGrp="1"/>
+          </p:cNvSpPr>
+          <p:nvPr>
+            <p:ph type="body" sz="quarter" idx="3"/>
+          </p:nvPr>
+        </p:nvSpPr>
+        <p:spPr>
+          <a:xfrm>
+            <a:off x="685800" y="4400550"/>
+            <a:ext cx="5486400" cy="3600450"/>
+          </a:xfrm>
+          <a:prstGeom prst="rect">
+            <a:avLst/>
+          </a:prstGeom>
+        </p:spPr>
+        <p:txBody>
+          <a:bodyPr vert="horz" lIns="91440" tIns="45720" rIns="91440" bIns="45720" rtlCol="0"/>
+          <a:lstStyle/>
+          <a:p>
+            <a:pPr lvl="0"/>
+            <a:r>
+              <a:rPr kumimoji="1" lang="ja-JP" altLang="en-US"/>
+              <a:t>マスター テキストの書式設定</a:t>
+            </a:r>
+          </a:p>
+          <a:p>
+            <a:pPr lvl="1"/>
+            <a:r>
+              <a:rPr kumimoji="1" lang="ja-JP" altLang="en-US"/>
+              <a:t>第 </a:t>
+            </a:r>
+            <a:r>
+              <a:rPr kumimoji="1" lang="en-US" altLang="ja-JP"/>
+              <a:t>2 </a:t>
+            </a:r>
+            <a:r>
+              <a:rPr kumimoji="1" lang="ja-JP" altLang="en-US"/>
+              <a:t>レベル</a:t>
+            </a:r>
+          </a:p>
+          <a:p>
+            <a:pPr lvl="2"/>
+            <a:r>
+              <a:rPr kumimoji="1" lang="ja-JP" altLang="en-US"/>
+              <a:t>第 </a:t>
+            </a:r>
+            <a:r>
+              <a:rPr kumimoji="1" lang="en-US" altLang="ja-JP"/>
+              <a:t>3 </a:t>
+            </a:r>
+            <a:r>
+              <a:rPr kumimoji="1" lang="ja-JP" altLang="en-US"/>
+              <a:t>レベル</a:t>
+            </a:r>
+          </a:p>
+          <a:p>
+            <a:pPr lvl="3"/>
+            <a:r>
+              <a:rPr kumimoji="1" lang="ja-JP" altLang="en-US"/>
+              <a:t>第 </a:t>
+            </a:r>
+            <a:r>
+              <a:rPr kumimoji="1" lang="en-US" altLang="ja-JP"/>
+              <a:t>4 </a:t>
+            </a:r>
+            <a:r>
+              <a:rPr kumimoji="1" lang="ja-JP" altLang="en-US"/>
+              <a:t>レベル</a:t>
+            </a:r>
+          </a:p>
+          <a:p>
+            <a:pPr lvl="4"/>
+            <a:r>
+              <a:rPr kumimoji="1" lang="ja-JP" altLang="en-US"/>
+              <a:t>第 </a:t>
+            </a:r>
+            <a:r>
+              <a:rPr kumimoji="1" lang="en-US" altLang="ja-JP"/>
+              <a:t>5 </a:t>
+            </a:r>
+            <a:r>
+              <a:rPr kumimoji="1" lang="ja-JP" altLang="en-US"/>
+              <a:t>レベル</a:t>
+            </a:r>
+          </a:p>
+        </p:txBody>
+      </p:sp>
+      <p:sp>
+        <p:nvSpPr>
+          <p:cNvPr id="6" name="フッター プレースホルダー 5"/>
+          <p:cNvSpPr>
+            <a:spLocks noGrp="1"/>
+          </p:cNvSpPr>
+          <p:nvPr>
+            <p:ph type="ftr" sz="quarter" idx="4"/>
+          </p:nvPr>
+        </p:nvSpPr>
+        <p:spPr>
+          <a:xfrm>
+            <a:off x="0" y="8685213"/>
+            <a:ext cx="2971800" cy="458787"/>
+          </a:xfrm>
+          <a:prstGeom prst="rect">
+            <a:avLst/>
+          </a:prstGeom>
+        </p:spPr>
+        <p:txBody>
+          <a:bodyPr vert="horz" lIns="91440" tIns="45720" rIns="91440" bIns="45720" rtlCol="0" anchor="b"/>
+          <a:lstStyle>
+            <a:lvl1pPr algn="l">
+              <a:defRPr sz="1200"/>
+            </a:lvl1pPr>
+          </a:lstStyle>
+          <a:p>
+            <a:endParaRPr kumimoji="1" lang="ja-JP" altLang="en-US"/>
+          </a:p>
+        </p:txBody>
+      </p:sp>
+      <p:sp>
+        <p:nvSpPr>
+          <p:cNvPr id="7" name="スライド番号プレースホルダー 6"/>
+          <p:cNvSpPr>
+            <a:spLocks noGrp="1"/>
+          </p:cNvSpPr>
+          <p:nvPr>
+            <p:ph type="sldNum" sz="quarter" idx="5"/>
+          </p:nvPr>
+        </p:nvSpPr>
+        <p:spPr>
+          <a:xfrm>
+            <a:off x="3884613" y="8685213"/>
+            <a:ext cx="2971800" cy="458787"/>
+          </a:xfrm>
+          <a:prstGeom prst="rect">
+            <a:avLst/>
+          </a:prstGeom>
+        </p:spPr>
+        <p:txBody>
+          <a:bodyPr vert="horz" lIns="91440" tIns="45720" rIns="91440" bIns="45720" rtlCol="0" anchor="b"/>
+          <a:lstStyle>
+            <a:lvl1pPr algn="r">
+              <a:defRPr sz="1200"/>
+            </a:lvl1pPr>
+          </a:lstStyle>
+          <a:p>
+            <a:fld id="{E80D2382-8EA4-3844-9F9D-406B4231AAA3}" type="slidenum">
+              <a:rPr kumimoji="1" lang="ja-JP" altLang="en-US" smtClean="0"/>
+              <a:t>‹#›</a:t>
+            </a:fld>
+            <a:endParaRPr kumimoji="1" lang="ja-JP" altLang="en-US"/>
+          </a:p>
+        </p:txBody>
+      </p:sp>
+    </p:spTree>
+    <p:extLst>
+      <p:ext uri="{BB962C8B-B14F-4D97-AF65-F5344CB8AC3E}">
+        <p14:creationId xmlns:p14="http://schemas.microsoft.com/office/powerpoint/2010/main" val="2973552056"/>
+      </p:ext>
+    </p:extLst>
+  </p:cSld>
+  <p:clrMap bg1="lt1" tx1="dk1" bg2="lt2" tx2="dk2" accent1="accent1" accent2="accent2" accent3="accent3" accent4="accent4" accent5="accent5" accent6="accent6" hlink="hlink" folHlink="folHlink"/>
+  <p:notesStyle>
+    <a:lvl1pPr marL="0" algn="l" defTabSz="914400" rtl="0" eaLnBrk="1" latinLnBrk="0" hangingPunct="1">
+      <a:defRPr kumimoji="1" sz="1200" kern="1200">
+        <a:solidFill>
+          <a:schemeClr val="tx1"/>
+        </a:solidFill>
+        <a:latin typeface="+mn-lt"/>
+        <a:ea typeface="+mn-ea"/>
+        <a:cs typeface="+mn-cs"/>
+      </a:defRPr>
+    </a:lvl1pPr>
+    <a:lvl2pPr marL="457200" algn="l" defTabSz="914400" rtl="0" eaLnBrk="1" latinLnBrk="0" hangingPunct="1">
+      <a:defRPr kumimoji="1" sz="1200" kern="1200">
+        <a:solidFill>
+          <a:schemeClr val="tx1"/>
+        </a:solidFill>
+        <a:latin typeface="+mn-lt"/>
+        <a:ea typeface="+mn-ea"/>
+        <a:cs typeface="+mn-cs"/>
+      </a:defRPr>
+    </a:lvl2pPr>
+    <a:lvl3pPr marL="914400" algn="l" defTabSz="914400" rtl="0" eaLnBrk="1" latinLnBrk="0" hangingPunct="1">
+      <a:defRPr kumimoji="1" sz="1200" kern="1200">
+        <a:solidFill>
+          <a:schemeClr val="tx1"/>
+        </a:solidFill>
+        <a:latin typeface="+mn-lt"/>
+        <a:ea typeface="+mn-ea"/>
+        <a:cs typeface="+mn-cs"/>
+      </a:defRPr>
+    </a:lvl3pPr>
+    <a:lvl4pPr marL="1371600" algn="l" defTabSz="914400" rtl="0" eaLnBrk="1" latinLnBrk="0" hangingPunct="1">
+      <a:defRPr kumimoji="1" sz="1200" kern="1200">
+        <a:solidFill>
+          <a:schemeClr val="tx1"/>
+        </a:solidFill>
+        <a:latin typeface="+mn-lt"/>
+        <a:ea typeface="+mn-ea"/>
+        <a:cs typeface="+mn-cs"/>
+      </a:defRPr>
+    </a:lvl4pPr>
+    <a:lvl5pPr marL="1828800" algn="l" defTabSz="914400" rtl="0" eaLnBrk="1" latinLnBrk="0" hangingPunct="1">
+      <a:defRPr kumimoji="1" sz="1200" kern="1200">
+        <a:solidFill>
+          <a:schemeClr val="tx1"/>
+        </a:solidFill>
+        <a:latin typeface="+mn-lt"/>
+        <a:ea typeface="+mn-ea"/>
+        <a:cs typeface="+mn-cs"/>
+      </a:defRPr>
+    </a:lvl5pPr>
+    <a:lvl6pPr marL="2286000" algn="l" defTabSz="914400" rtl="0" eaLnBrk="1" latinLnBrk="0" hangingPunct="1">
+      <a:defRPr kumimoji="1" sz="1200" kern="1200">
+        <a:solidFill>
+          <a:schemeClr val="tx1"/>
+        </a:solidFill>
+        <a:latin typeface="+mn-lt"/>
+        <a:ea typeface="+mn-ea"/>
+        <a:cs typeface="+mn-cs"/>
+      </a:defRPr>
+    </a:lvl6pPr>
+    <a:lvl7pPr marL="2743200" algn="l" defTabSz="914400" rtl="0" eaLnBrk="1" latinLnBrk="0" hangingPunct="1">
+      <a:defRPr kumimoji="1" sz="1200" kern="1200">
+        <a:solidFill>
+          <a:schemeClr val="tx1"/>
+        </a:solidFill>
+        <a:latin typeface="+mn-lt"/>
+        <a:ea typeface="+mn-ea"/>
+        <a:cs typeface="+mn-cs"/>
+      </a:defRPr>
+    </a:lvl7pPr>
+    <a:lvl8pPr marL="3200400" algn="l" defTabSz="914400" rtl="0" eaLnBrk="1" latinLnBrk="0" hangingPunct="1">
+      <a:defRPr kumimoji="1" sz="1200" kern="1200">
+        <a:solidFill>
+          <a:schemeClr val="tx1"/>
+        </a:solidFill>
+        <a:latin typeface="+mn-lt"/>
+        <a:ea typeface="+mn-ea"/>
+        <a:cs typeface="+mn-cs"/>
+      </a:defRPr>
+    </a:lvl8pPr>
+    <a:lvl9pPr marL="3657600" algn="l" defTabSz="914400" rtl="0" eaLnBrk="1" latinLnBrk="0" hangingPunct="1">
+      <a:defRPr kumimoji="1" sz="1200" kern="1200">
+        <a:solidFill>
+          <a:schemeClr val="tx1"/>
+        </a:solidFill>
+        <a:latin typeface="+mn-lt"/>
+        <a:ea typeface="+mn-ea"/>
+        <a:cs typeface="+mn-cs"/>
+      </a:defRPr>
+    </a:lvl9pPr>
+  </p:notesStyle>
+</p:notesMaster>
+</file>
+
+<file path=ppt/notesSlides/notesSlide1.xml><?xml version="1.0" encoding="utf-8"?>
+<p:notes xmlns:a="http://schemas.openxmlformats.org/drawingml/2006/main" xmlns:r="http://schemas.openxmlformats.org/officeDocument/2006/relationships" xmlns:p="http://schemas.openxmlformats.org/presentationml/2006/main">
+  <p:cSld>
+    <p:spTree>
+      <p:nvGrpSpPr>
+        <p:cNvPr id="1" name=""/>
+        <p:cNvGrpSpPr/>
+        <p:nvPr/>
+      </p:nvGrpSpPr>
+      <p:grpSpPr>
+        <a:xfrm>
+          <a:off x="0" y="0"/>
+          <a:ext cx="0" cy="0"/>
+          <a:chOff x="0" y="0"/>
+          <a:chExt cx="0" cy="0"/>
+        </a:xfrm>
+      </p:grpSpPr>
+      <p:sp>
+        <p:nvSpPr>
+          <p:cNvPr id="2" name="スライド イメージ プレースホルダー 1"/>
+          <p:cNvSpPr>
+            <a:spLocks noGrp="1" noRot="1" noChangeAspect="1"/>
+          </p:cNvSpPr>
+          <p:nvPr>
+            <p:ph type="sldImg"/>
+          </p:nvPr>
+        </p:nvSpPr>
+        <p:spPr/>
+      </p:sp>
+      <p:sp>
+        <p:nvSpPr>
+          <p:cNvPr id="3" name="ノート プレースホルダー 2"/>
+          <p:cNvSpPr>
+            <a:spLocks noGrp="1"/>
+          </p:cNvSpPr>
+          <p:nvPr>
+            <p:ph type="body" idx="1"/>
+          </p:nvPr>
+        </p:nvSpPr>
+        <p:spPr/>
+        <p:txBody>
+          <a:bodyPr/>
+          <a:lstStyle/>
+          <a:p>
+            <a:endParaRPr kumimoji="1" lang="ja-JP" altLang="en-US"/>
+          </a:p>
+        </p:txBody>
+      </p:sp>
+      <p:sp>
+        <p:nvSpPr>
+          <p:cNvPr id="4" name="スライド番号プレースホルダー 3"/>
+          <p:cNvSpPr>
+            <a:spLocks noGrp="1"/>
+          </p:cNvSpPr>
+          <p:nvPr>
+            <p:ph type="sldNum" sz="quarter" idx="5"/>
+          </p:nvPr>
+        </p:nvSpPr>
+        <p:spPr/>
+        <p:txBody>
+          <a:bodyPr/>
+          <a:lstStyle/>
+          <a:p>
+            <a:fld id="{E80D2382-8EA4-3844-9F9D-406B4231AAA3}" type="slidenum">
+              <a:rPr kumimoji="1" lang="ja-JP" altLang="en-US" smtClean="0"/>
+              <a:t>5</a:t>
+            </a:fld>
+            <a:endParaRPr kumimoji="1" lang="ja-JP" altLang="en-US"/>
+          </a:p>
+        </p:txBody>
+      </p:sp>
+    </p:spTree>
+    <p:extLst>
+      <p:ext uri="{BB962C8B-B14F-4D97-AF65-F5344CB8AC3E}">
+        <p14:creationId xmlns:p14="http://schemas.microsoft.com/office/powerpoint/2010/main" val="2759619128"/>
+      </p:ext>
+    </p:extLst>
+  </p:cSld>
+  <p:clrMapOvr>
+    <a:masterClrMapping/>
+  </p:clrMapOvr>
+</p:notes>
+</file>
+
+<file path=ppt/notesSlides/notesSlide2.xml><?xml version="1.0" encoding="utf-8"?>
+<p:notes xmlns:a="http://schemas.openxmlformats.org/drawingml/2006/main" xmlns:r="http://schemas.openxmlformats.org/officeDocument/2006/relationships" xmlns:p="http://schemas.openxmlformats.org/presentationml/2006/main">
+  <p:cSld>
+    <p:spTree>
+      <p:nvGrpSpPr>
+        <p:cNvPr id="1" name=""/>
+        <p:cNvGrpSpPr/>
+        <p:nvPr/>
+      </p:nvGrpSpPr>
+      <p:grpSpPr>
+        <a:xfrm>
+          <a:off x="0" y="0"/>
+          <a:ext cx="0" cy="0"/>
+          <a:chOff x="0" y="0"/>
+          <a:chExt cx="0" cy="0"/>
+        </a:xfrm>
+      </p:grpSpPr>
+      <p:sp>
+        <p:nvSpPr>
+          <p:cNvPr id="2" name="スライド イメージ プレースホルダー 1"/>
+          <p:cNvSpPr>
+            <a:spLocks noGrp="1" noRot="1" noChangeAspect="1"/>
+          </p:cNvSpPr>
+          <p:nvPr>
+            <p:ph type="sldImg"/>
+          </p:nvPr>
+        </p:nvSpPr>
+        <p:spPr/>
+      </p:sp>
+      <p:sp>
+        <p:nvSpPr>
+          <p:cNvPr id="3" name="ノート プレースホルダー 2"/>
+          <p:cNvSpPr>
+            <a:spLocks noGrp="1"/>
+          </p:cNvSpPr>
+          <p:nvPr>
+            <p:ph type="body" idx="1"/>
+          </p:nvPr>
+        </p:nvSpPr>
+        <p:spPr/>
+        <p:txBody>
+          <a:bodyPr/>
+          <a:lstStyle/>
+          <a:p>
+            <a:endParaRPr kumimoji="1" lang="ja-JP" altLang="en-US"/>
+          </a:p>
+        </p:txBody>
+      </p:sp>
+      <p:sp>
+        <p:nvSpPr>
+          <p:cNvPr id="4" name="スライド番号プレースホルダー 3"/>
+          <p:cNvSpPr>
+            <a:spLocks noGrp="1"/>
+          </p:cNvSpPr>
+          <p:nvPr>
+            <p:ph type="sldNum" sz="quarter" idx="5"/>
+          </p:nvPr>
+        </p:nvSpPr>
+        <p:spPr/>
+        <p:txBody>
+          <a:bodyPr/>
+          <a:lstStyle/>
+          <a:p>
+            <a:fld id="{E80D2382-8EA4-3844-9F9D-406B4231AAA3}" type="slidenum">
+              <a:rPr kumimoji="1" lang="ja-JP" altLang="en-US" smtClean="0"/>
+              <a:t>8</a:t>
+            </a:fld>
+            <a:endParaRPr kumimoji="1" lang="ja-JP" altLang="en-US"/>
+          </a:p>
+        </p:txBody>
+      </p:sp>
+    </p:spTree>
+    <p:extLst>
+      <p:ext uri="{BB962C8B-B14F-4D97-AF65-F5344CB8AC3E}">
+        <p14:creationId xmlns:p14="http://schemas.microsoft.com/office/powerpoint/2010/main" val="1717467768"/>
+      </p:ext>
+    </p:extLst>
+  </p:cSld>
+  <p:clrMapOvr>
+    <a:masterClrMapping/>
+  </p:clrMapOvr>
+</p:notes>
 </file>
 
 <file path=ppt/slideLayouts/slideLayout1.xml><?xml version="1.0" encoding="utf-8"?>
@@ -5918,14 +6470,14 @@
             <p:ph idx="1"/>
             <p:extLst>
               <p:ext uri="{D42A27DB-BD31-4B8C-83A1-F6EECF244321}">
-                <p14:modId xmlns:p14="http://schemas.microsoft.com/office/powerpoint/2010/main" val="4274755308"/>
+                <p14:modId xmlns:p14="http://schemas.microsoft.com/office/powerpoint/2010/main" val="4101712744"/>
               </p:ext>
             </p:extLst>
           </p:nvPr>
         </p:nvGraphicFramePr>
         <p:xfrm>
-          <a:off x="819150" y="2222500"/>
-          <a:ext cx="8442960" cy="741680"/>
+          <a:off x="1504885" y="2674018"/>
+          <a:ext cx="4591114" cy="1854200"/>
         </p:xfrm>
         <a:graphic>
           <a:graphicData uri="http://schemas.openxmlformats.org/drawingml/2006/table">
@@ -5934,31 +6486,17 @@
                 <a:tableStyleId>{5C22544A-7EE6-4342-B048-85BDC9FD1C3A}</a:tableStyleId>
               </a:tblPr>
               <a:tblGrid>
-                <a:gridCol w="2110740">
+                <a:gridCol w="2295557">
                   <a:extLst>
                     <a:ext uri="{9D8B030D-6E8A-4147-A177-3AD203B41FA5}">
                       <a16:colId xmlns:a16="http://schemas.microsoft.com/office/drawing/2014/main" val="493058189"/>
                     </a:ext>
                   </a:extLst>
                 </a:gridCol>
-                <a:gridCol w="2110740">
+                <a:gridCol w="2295557">
                   <a:extLst>
                     <a:ext uri="{9D8B030D-6E8A-4147-A177-3AD203B41FA5}">
                       <a16:colId xmlns:a16="http://schemas.microsoft.com/office/drawing/2014/main" val="3786118370"/>
-                    </a:ext>
-                  </a:extLst>
-                </a:gridCol>
-                <a:gridCol w="2110740">
-                  <a:extLst>
-                    <a:ext uri="{9D8B030D-6E8A-4147-A177-3AD203B41FA5}">
-                      <a16:colId xmlns:a16="http://schemas.microsoft.com/office/drawing/2014/main" val="3352906287"/>
-                    </a:ext>
-                  </a:extLst>
-                </a:gridCol>
-                <a:gridCol w="2110740">
-                  <a:extLst>
-                    <a:ext uri="{9D8B030D-6E8A-4147-A177-3AD203B41FA5}">
-                      <a16:colId xmlns:a16="http://schemas.microsoft.com/office/drawing/2014/main" val="3542176352"/>
                     </a:ext>
                   </a:extLst>
                 </a:gridCol>
@@ -5971,47 +6509,7 @@
                     <a:p>
                       <a:r>
                         <a:rPr kumimoji="1" lang="ja-JP" altLang="en-US"/>
-                        <a:t>期待値</a:t>
-                      </a:r>
-                    </a:p>
-                  </a:txBody>
-                  <a:tcPr/>
-                </a:tc>
-                <a:tc>
-                  <a:txBody>
-                    <a:bodyPr/>
-                    <a:lstStyle/>
-                    <a:p>
-                      <a:endParaRPr kumimoji="1" lang="ja-JP" altLang="en-US"/>
-                    </a:p>
-                  </a:txBody>
-                  <a:tcPr/>
-                </a:tc>
-                <a:tc>
-                  <a:txBody>
-                    <a:bodyPr/>
-                    <a:lstStyle/>
-                    <a:p>
-                      <a:pPr marL="0" marR="0" lvl="0" indent="0" algn="l" defTabSz="457200" rtl="0" eaLnBrk="1" fontAlgn="auto" latinLnBrk="0" hangingPunct="1">
-                        <a:lnSpc>
-                          <a:spcPct val="100000"/>
-                        </a:lnSpc>
-                        <a:spcBef>
-                          <a:spcPts val="0"/>
-                        </a:spcBef>
-                        <a:spcAft>
-                          <a:spcPts val="0"/>
-                        </a:spcAft>
-                        <a:buClrTx/>
-                        <a:buSzTx/>
-                        <a:buFontTx/>
-                        <a:buNone/>
-                        <a:tabLst/>
-                        <a:defRPr/>
-                      </a:pPr>
-                      <a:r>
-                        <a:rPr kumimoji="1" lang="ja-JP" altLang="en-US"/>
-                        <a:t>実効値</a:t>
+                        <a:t>期待値（最短経路）</a:t>
                       </a:r>
                     </a:p>
                   </a:txBody>
@@ -6052,11 +6550,21 @@
                     <a:bodyPr/>
                     <a:lstStyle/>
                     <a:p>
-                      <a:endParaRPr kumimoji="1" lang="ja-JP" altLang="en-US"/>
+                      <a:r>
+                        <a:rPr kumimoji="1" lang="ja-JP" altLang="en-US"/>
+                        <a:t>１　７　５</a:t>
+                      </a:r>
                     </a:p>
                   </a:txBody>
                   <a:tcPr/>
                 </a:tc>
+                <a:extLst>
+                  <a:ext uri="{0D108BD9-81ED-4DB2-BD59-A6C34878D82A}">
+                    <a16:rowId xmlns:a16="http://schemas.microsoft.com/office/drawing/2014/main" val="1338411220"/>
+                  </a:ext>
+                </a:extLst>
+              </a:tr>
+              <a:tr h="370840">
                 <a:tc>
                   <a:txBody>
                     <a:bodyPr/>
@@ -6072,6 +6580,10 @@
                     <a:bodyPr/>
                     <a:lstStyle/>
                     <a:p>
+                      <a:r>
+                        <a:rPr kumimoji="1" lang="en-US" altLang="ja-JP" dirty="0"/>
+                        <a:t>N/A</a:t>
+                      </a:r>
                       <a:endParaRPr kumimoji="1" lang="ja-JP" altLang="en-US"/>
                     </a:p>
                   </a:txBody>
@@ -6079,7 +6591,68 @@
                 </a:tc>
                 <a:extLst>
                   <a:ext uri="{0D108BD9-81ED-4DB2-BD59-A6C34878D82A}">
-                    <a16:rowId xmlns:a16="http://schemas.microsoft.com/office/drawing/2014/main" val="1338411220"/>
+                    <a16:rowId xmlns:a16="http://schemas.microsoft.com/office/drawing/2014/main" val="1857207232"/>
+                  </a:ext>
+                </a:extLst>
+              </a:tr>
+              <a:tr h="370840">
+                <a:tc>
+                  <a:txBody>
+                    <a:bodyPr/>
+                    <a:lstStyle/>
+                    <a:p>
+                      <a:endParaRPr kumimoji="1" lang="ja-JP" altLang="en-US"/>
+                    </a:p>
+                  </a:txBody>
+                  <a:tcPr/>
+                </a:tc>
+                <a:tc>
+                  <a:txBody>
+                    <a:bodyPr/>
+                    <a:lstStyle/>
+                    <a:p>
+                      <a:r>
+                        <a:rPr kumimoji="1" lang="ja-JP" altLang="en-US"/>
+                        <a:t>２　６　４</a:t>
+                      </a:r>
+                    </a:p>
+                  </a:txBody>
+                  <a:tcPr/>
+                </a:tc>
+                <a:extLst>
+                  <a:ext uri="{0D108BD9-81ED-4DB2-BD59-A6C34878D82A}">
+                    <a16:rowId xmlns:a16="http://schemas.microsoft.com/office/drawing/2014/main" val="438348916"/>
+                  </a:ext>
+                </a:extLst>
+              </a:tr>
+              <a:tr h="370840">
+                <a:tc>
+                  <a:txBody>
+                    <a:bodyPr/>
+                    <a:lstStyle/>
+                    <a:p>
+                      <a:endParaRPr kumimoji="1" lang="ja-JP" altLang="en-US"/>
+                    </a:p>
+                  </a:txBody>
+                  <a:tcPr/>
+                </a:tc>
+                <a:tc>
+                  <a:txBody>
+                    <a:bodyPr/>
+                    <a:lstStyle/>
+                    <a:p>
+                      <a:r>
+                        <a:rPr kumimoji="1" lang="ja-JP" altLang="en-US"/>
+                        <a:t>２　６　７　３</a:t>
+                      </a:r>
+                      <a:endParaRPr kumimoji="1" lang="en-US" altLang="ja-JP" dirty="0"/>
+                    </a:p>
+                  </a:txBody>
+                  <a:tcPr/>
+                </a:tc>
+                <a:extLst>
+                  <a:ext uri="{0D108BD9-81ED-4DB2-BD59-A6C34878D82A}">
+                    <a16:rowId xmlns:a16="http://schemas.microsoft.com/office/drawing/2014/main" val="1861397625"/>
                   </a:ext>
                 </a:extLst>
               </a:tr>
@@ -6089,10 +6662,10 @@
       </p:graphicFrame>
       <p:pic>
         <p:nvPicPr>
-          <p:cNvPr id="6" name="図 5">
+          <p:cNvPr id="8" name="図 7">
             <a:extLst>
               <a:ext uri="{FF2B5EF4-FFF2-40B4-BE49-F238E27FC236}">
-                <a16:creationId xmlns:a16="http://schemas.microsoft.com/office/drawing/2014/main" id="{A2B31BA6-B417-DF40-AD57-DF61AB6441D1}"/>
+                <a16:creationId xmlns:a16="http://schemas.microsoft.com/office/drawing/2014/main" id="{5FE83AA5-E824-1640-9F64-9D90366A7481}"/>
               </a:ext>
             </a:extLst>
           </p:cNvPr>
@@ -6109,14 +6682,50 @@
         </p:blipFill>
         <p:spPr>
           <a:xfrm>
-            <a:off x="9507537" y="1938337"/>
-            <a:ext cx="1616598" cy="3648075"/>
+            <a:off x="8877971" y="2674018"/>
+            <a:ext cx="1122372" cy="3349849"/>
           </a:xfrm>
           <a:prstGeom prst="rect">
             <a:avLst/>
           </a:prstGeom>
         </p:spPr>
       </p:pic>
+      <p:sp>
+        <p:nvSpPr>
+          <p:cNvPr id="9" name="テキスト ボックス 8">
+            <a:extLst>
+              <a:ext uri="{FF2B5EF4-FFF2-40B4-BE49-F238E27FC236}">
+                <a16:creationId xmlns:a16="http://schemas.microsoft.com/office/drawing/2014/main" id="{E2D90E80-D8BB-7F45-A1CE-CCE2811F4BC2}"/>
+              </a:ext>
+            </a:extLst>
+          </p:cNvPr>
+          <p:cNvSpPr txBox="1"/>
+          <p:nvPr/>
+        </p:nvSpPr>
+        <p:spPr>
+          <a:xfrm>
+            <a:off x="8756919" y="2224008"/>
+            <a:ext cx="1364476" cy="369332"/>
+          </a:xfrm>
+          <a:prstGeom prst="rect">
+            <a:avLst/>
+          </a:prstGeom>
+          <a:noFill/>
+        </p:spPr>
+        <p:txBody>
+          <a:bodyPr wrap="none" rtlCol="0">
+            <a:spAutoFit/>
+          </a:bodyPr>
+          <a:lstStyle/>
+          <a:p>
+            <a:r>
+              <a:rPr kumimoji="1" lang="en-US" altLang="ja-JP" dirty="0" err="1"/>
+              <a:t>Test_file.txt</a:t>
+            </a:r>
+            <a:endParaRPr kumimoji="1" lang="ja-JP" altLang="en-US"/>
+          </a:p>
+        </p:txBody>
+      </p:sp>
     </p:spTree>
     <p:extLst>
       <p:ext uri="{BB962C8B-B14F-4D97-AF65-F5344CB8AC3E}">
@@ -6359,10 +6968,54 @@
             <p:ph idx="1"/>
           </p:nvPr>
         </p:nvSpPr>
-        <p:spPr/>
-        <p:txBody>
-          <a:bodyPr/>
-          <a:lstStyle/>
+        <p:spPr>
+          <a:xfrm>
+            <a:off x="818712" y="2222287"/>
+            <a:ext cx="10554574" cy="4788113"/>
+          </a:xfrm>
+        </p:spPr>
+        <p:txBody>
+          <a:bodyPr>
+            <a:normAutofit fontScale="92500" lnSpcReduction="10000"/>
+          </a:bodyPr>
+          <a:lstStyle/>
+          <a:p>
+            <a:r>
+              <a:rPr kumimoji="1" lang="ja-JP" altLang="en-US"/>
+              <a:t>共同</a:t>
+            </a:r>
+            <a:endParaRPr kumimoji="1" lang="en-US" altLang="ja-JP" dirty="0"/>
+          </a:p>
+          <a:p>
+            <a:pPr marL="0" indent="0">
+              <a:buNone/>
+            </a:pPr>
+            <a:r>
+              <a:rPr lang="ja-JP" altLang="en-US"/>
+              <a:t>毎週レポートの提出</a:t>
+            </a:r>
+            <a:endParaRPr lang="en-US" altLang="ja-JP" dirty="0"/>
+          </a:p>
+          <a:p>
+            <a:pPr marL="0" indent="0">
+              <a:buNone/>
+            </a:pPr>
+            <a:r>
+              <a:rPr kumimoji="1" lang="ja-JP" altLang="en-US"/>
+              <a:t>方針決め</a:t>
+            </a:r>
+            <a:endParaRPr kumimoji="1" lang="en-US" altLang="ja-JP" dirty="0"/>
+          </a:p>
+          <a:p>
+            <a:pPr marL="0" indent="0">
+              <a:buNone/>
+            </a:pPr>
+            <a:r>
+              <a:rPr kumimoji="1" lang="ja-JP" altLang="en-US"/>
+              <a:t>役割分担</a:t>
+            </a:r>
+            <a:endParaRPr kumimoji="1" lang="en-US" altLang="ja-JP" dirty="0"/>
+          </a:p>
           <a:p>
             <a:r>
               <a:rPr kumimoji="1" lang="en-US" altLang="ja-JP" dirty="0"/>
@@ -6380,7 +7033,7 @@
             </a:pPr>
             <a:r>
               <a:rPr lang="ja-JP" altLang="en-US"/>
-              <a:t>毎週レポートの提出</a:t>
+              <a:t>メインのコーディング</a:t>
             </a:r>
             <a:endParaRPr lang="en-US" altLang="ja-JP" dirty="0"/>
           </a:p>
@@ -6390,7 +7043,17 @@
             </a:pPr>
             <a:r>
               <a:rPr lang="ja-JP" altLang="en-US"/>
-              <a:t>メインの構造</a:t>
+              <a:t>初期化の関数作成</a:t>
+            </a:r>
+            <a:endParaRPr lang="en-US" altLang="ja-JP" dirty="0"/>
+          </a:p>
+          <a:p>
+            <a:pPr marL="0" indent="0">
+              <a:buNone/>
+            </a:pPr>
+            <a:r>
+              <a:rPr lang="ja-JP" altLang="en-US"/>
+              <a:t>ヘッダーファイルの作成</a:t>
             </a:r>
             <a:endParaRPr lang="en-US" altLang="ja-JP" dirty="0"/>
           </a:p>
@@ -6418,6 +7081,32 @@
               <a:rPr lang="ja-JP" altLang="en-US"/>
               <a:t>最短経路を求める関数の作成</a:t>
             </a:r>
+            <a:endParaRPr lang="en-US" altLang="ja-JP" dirty="0"/>
+          </a:p>
+          <a:p>
+            <a:pPr marL="0" indent="0">
+              <a:buNone/>
+            </a:pPr>
+            <a:r>
+              <a:rPr lang="ja-JP" altLang="en-US"/>
+              <a:t>資料作成</a:t>
+            </a:r>
+            <a:endParaRPr lang="en-US" altLang="ja-JP" dirty="0"/>
+          </a:p>
+          <a:p>
+            <a:pPr marL="0" indent="0">
+              <a:buNone/>
+            </a:pPr>
+            <a:r>
+              <a:rPr lang="ja-JP" altLang="en-US"/>
+              <a:t>テストファイル作成</a:t>
+            </a:r>
+            <a:endParaRPr lang="en-US" altLang="ja-JP" dirty="0"/>
+          </a:p>
+          <a:p>
+            <a:pPr marL="0" indent="0">
+              <a:buNone/>
+            </a:pPr>
             <a:endParaRPr lang="en-US" altLang="ja-JP" dirty="0"/>
           </a:p>
         </p:txBody>
@@ -6634,6 +7323,10 @@
               <a:buNone/>
             </a:pPr>
             <a:r>
+              <a:rPr lang="ja-JP" altLang="en-US"/>
+              <a:t>開発プラッットフォーム：</a:t>
+            </a:r>
+            <a:r>
               <a:rPr kumimoji="1" lang="en-US" altLang="ja-JP" dirty="0"/>
               <a:t>Mac</a:t>
             </a:r>
@@ -6643,6 +7336,10 @@
               <a:buNone/>
             </a:pPr>
             <a:r>
+              <a:rPr lang="ja-JP" altLang="en-US"/>
+              <a:t>プログラミング言語：</a:t>
+            </a:r>
+            <a:r>
               <a:rPr lang="en-US" altLang="ja-JP" dirty="0"/>
               <a:t>C++</a:t>
             </a:r>
@@ -6651,10 +7348,6 @@
             <a:pPr marL="0" indent="0">
               <a:buNone/>
             </a:pPr>
-            <a:r>
-              <a:rPr kumimoji="1" lang="en-US" altLang="ja-JP" dirty="0"/>
-              <a:t>atom</a:t>
-            </a:r>
             <a:endParaRPr kumimoji="1" lang="ja-JP" altLang="en-US"/>
           </a:p>
         </p:txBody>
@@ -6853,7 +7546,7 @@
             </a:r>
             <a:r>
               <a:rPr lang="ja-JP" altLang="en-US" sz="2800"/>
-              <a:t>ソースコード（必要な部分のみ） </a:t>
+              <a:t>ソースコード </a:t>
             </a:r>
             <a:endParaRPr lang="en-US" altLang="ja-JP" sz="2800" dirty="0"/>
           </a:p>
@@ -7065,7 +7758,7 @@
         </p:nvSpPr>
         <p:spPr>
           <a:xfrm>
-            <a:off x="428625" y="2293727"/>
+            <a:off x="239713" y="1456316"/>
             <a:ext cx="10944661" cy="4564273"/>
           </a:xfrm>
         </p:spPr>
@@ -7094,7 +7787,18 @@
             <a:pPr marL="0" indent="0">
               <a:buNone/>
             </a:pPr>
-            <a:endParaRPr lang="en-US" altLang="ja-JP" dirty="0"/>
+            <a:r>
+              <a:rPr lang="en-US" altLang="ja-JP" dirty="0"/>
+              <a:t>If </a:t>
+            </a:r>
+            <a:r>
+              <a:rPr lang="ja-JP" altLang="en-US"/>
+              <a:t>式</a:t>
+            </a:r>
+            <a:r>
+              <a:rPr lang="en-US" altLang="ja-JP" dirty="0"/>
+              <a:t>(5) = 0 Else </a:t>
+            </a:r>
           </a:p>
           <a:p>
             <a:pPr marL="0" indent="0">
@@ -7102,28 +7806,7 @@
             </a:pPr>
             <a:r>
               <a:rPr lang="en-US" altLang="ja-JP" dirty="0"/>
-              <a:t>Step2</a:t>
-            </a:r>
-          </a:p>
-          <a:p>
-            <a:pPr marL="0" indent="0">
-              <a:buNone/>
-            </a:pPr>
-            <a:endParaRPr lang="en-US" altLang="ja-JP" dirty="0"/>
-          </a:p>
-          <a:p>
-            <a:pPr marL="0" indent="0">
-              <a:buNone/>
-            </a:pPr>
-            <a:endParaRPr lang="en-US" altLang="ja-JP" dirty="0"/>
-          </a:p>
-          <a:p>
-            <a:pPr marL="0" indent="0">
-              <a:buNone/>
-            </a:pPr>
-            <a:r>
-              <a:rPr lang="en-US" altLang="ja-JP" dirty="0"/>
-              <a:t>Step3</a:t>
+              <a:t>Step2Step3</a:t>
             </a:r>
           </a:p>
           <a:p>
@@ -7152,11 +7835,6 @@
               <a:rPr lang="en-US" altLang="ja-JP" dirty="0"/>
               <a:t>Step4</a:t>
             </a:r>
-          </a:p>
-          <a:p>
-            <a:pPr marL="0" indent="0">
-              <a:buNone/>
-            </a:pPr>
             <a:r>
               <a:rPr lang="ja-JP" altLang="en-US"/>
               <a:t>交差地点の </a:t>
@@ -7202,14 +7880,133 @@
           <p:nvPr/>
         </p:nvPicPr>
         <p:blipFill rotWithShape="1">
-          <a:blip r:embed="rId2"/>
+          <a:blip r:embed="rId3"/>
           <a:srcRect l="4937" t="21325" r="4542" b="3676"/>
           <a:stretch/>
         </p:blipFill>
         <p:spPr>
           <a:xfrm>
-            <a:off x="5414961" y="4090088"/>
+            <a:off x="5116513" y="6139348"/>
             <a:ext cx="5472113" cy="485775"/>
+          </a:xfrm>
+          <a:prstGeom prst="rect">
+            <a:avLst/>
+          </a:prstGeom>
+        </p:spPr>
+      </p:pic>
+      <p:pic>
+        <p:nvPicPr>
+          <p:cNvPr id="9" name="図 8">
+            <a:extLst>
+              <a:ext uri="{FF2B5EF4-FFF2-40B4-BE49-F238E27FC236}">
+                <a16:creationId xmlns:a16="http://schemas.microsoft.com/office/drawing/2014/main" id="{A67FF183-DDC0-2B4F-ADCE-43BE1ECB9ACF}"/>
+              </a:ext>
+            </a:extLst>
+          </p:cNvPr>
+          <p:cNvPicPr>
+            <a:picLocks noChangeAspect="1"/>
+          </p:cNvPicPr>
+          <p:nvPr/>
+        </p:nvPicPr>
+        <p:blipFill rotWithShape="1">
+          <a:blip r:embed="rId4"/>
+          <a:srcRect l="3713" t="15451" r="2651" b="31633"/>
+          <a:stretch/>
+        </p:blipFill>
+        <p:spPr>
+          <a:xfrm>
+            <a:off x="5116513" y="5847800"/>
+            <a:ext cx="5472113" cy="306122"/>
+          </a:xfrm>
+          <a:prstGeom prst="rect">
+            <a:avLst/>
+          </a:prstGeom>
+        </p:spPr>
+      </p:pic>
+      <p:pic>
+        <p:nvPicPr>
+          <p:cNvPr id="11" name="図 10">
+            <a:extLst>
+              <a:ext uri="{FF2B5EF4-FFF2-40B4-BE49-F238E27FC236}">
+                <a16:creationId xmlns:a16="http://schemas.microsoft.com/office/drawing/2014/main" id="{5D4BDA29-041B-E440-B207-D7E84743EDAF}"/>
+              </a:ext>
+            </a:extLst>
+          </p:cNvPr>
+          <p:cNvPicPr>
+            <a:picLocks noChangeAspect="1"/>
+          </p:cNvPicPr>
+          <p:nvPr/>
+        </p:nvPicPr>
+        <p:blipFill>
+          <a:blip r:embed="rId5"/>
+          <a:stretch>
+            <a:fillRect/>
+          </a:stretch>
+        </p:blipFill>
+        <p:spPr>
+          <a:xfrm>
+            <a:off x="239713" y="2827803"/>
+            <a:ext cx="7569200" cy="2654300"/>
+          </a:xfrm>
+          <a:prstGeom prst="rect">
+            <a:avLst/>
+          </a:prstGeom>
+        </p:spPr>
+      </p:pic>
+      <p:pic>
+        <p:nvPicPr>
+          <p:cNvPr id="13" name="図 12">
+            <a:extLst>
+              <a:ext uri="{FF2B5EF4-FFF2-40B4-BE49-F238E27FC236}">
+                <a16:creationId xmlns:a16="http://schemas.microsoft.com/office/drawing/2014/main" id="{8BFA3DB4-D2E8-9D45-96F3-0D965659C03F}"/>
+              </a:ext>
+            </a:extLst>
+          </p:cNvPr>
+          <p:cNvPicPr>
+            <a:picLocks noChangeAspect="1"/>
+          </p:cNvPicPr>
+          <p:nvPr/>
+        </p:nvPicPr>
+        <p:blipFill>
+          <a:blip r:embed="rId6"/>
+          <a:stretch>
+            <a:fillRect/>
+          </a:stretch>
+        </p:blipFill>
+        <p:spPr>
+          <a:xfrm>
+            <a:off x="239713" y="5847800"/>
+            <a:ext cx="4876800" cy="777323"/>
+          </a:xfrm>
+          <a:prstGeom prst="rect">
+            <a:avLst/>
+          </a:prstGeom>
+        </p:spPr>
+      </p:pic>
+      <p:pic>
+        <p:nvPicPr>
+          <p:cNvPr id="15" name="図 14">
+            <a:extLst>
+              <a:ext uri="{FF2B5EF4-FFF2-40B4-BE49-F238E27FC236}">
+                <a16:creationId xmlns:a16="http://schemas.microsoft.com/office/drawing/2014/main" id="{0CBC1397-A1D8-AE4C-8B77-114DAF354D2D}"/>
+              </a:ext>
+            </a:extLst>
+          </p:cNvPr>
+          <p:cNvPicPr>
+            <a:picLocks noChangeAspect="1"/>
+          </p:cNvPicPr>
+          <p:nvPr/>
+        </p:nvPicPr>
+        <p:blipFill>
+          <a:blip r:embed="rId7"/>
+          <a:stretch>
+            <a:fillRect/>
+          </a:stretch>
+        </p:blipFill>
+        <p:spPr>
+          <a:xfrm>
+            <a:off x="8225274" y="3293336"/>
+            <a:ext cx="2959100" cy="2184400"/>
           </a:xfrm>
           <a:prstGeom prst="rect">
             <a:avLst/>
@@ -7232,6 +8029,14 @@
 <file path=ppt/slides/slide6.xml><?xml version="1.0" encoding="utf-8"?>
 <p:sld xmlns:a="http://schemas.openxmlformats.org/drawingml/2006/main" xmlns:r="http://schemas.openxmlformats.org/officeDocument/2006/relationships" xmlns:p="http://schemas.openxmlformats.org/presentationml/2006/main">
   <p:cSld>
+    <p:bg>
+      <p:bgPr>
+        <a:solidFill>
+          <a:schemeClr val="bg2"/>
+        </a:solidFill>
+        <a:effectLst/>
+      </p:bgPr>
+    </p:bg>
     <p:spTree>
       <p:nvGrpSpPr>
         <p:cNvPr id="1" name=""/>
@@ -7248,57 +8053,91 @@
       </p:grpSpPr>
       <p:sp>
         <p:nvSpPr>
-          <p:cNvPr id="2" name="タイトル 1">
+          <p:cNvPr id="11" name="Rectangle 10">
             <a:extLst>
               <a:ext uri="{FF2B5EF4-FFF2-40B4-BE49-F238E27FC236}">
-                <a16:creationId xmlns:a16="http://schemas.microsoft.com/office/drawing/2014/main" id="{5ECC8B34-2F8E-0E46-8136-98FB2BC5E528}"/>
+                <a16:creationId xmlns:a16="http://schemas.microsoft.com/office/drawing/2014/main" id="{6A01907A-BF04-440F-BA0D-49BC9627344C}"/>
+              </a:ext>
+              <a:ext uri="{C183D7F6-B498-43B3-948B-1728B52AA6E4}">
+                <adec:decorative xmlns:adec="http://schemas.microsoft.com/office/drawing/2017/decorative" val="1"/>
               </a:ext>
             </a:extLst>
           </p:cNvPr>
           <p:cNvSpPr>
-            <a:spLocks noGrp="1"/>
-          </p:cNvSpPr>
-          <p:nvPr>
-            <p:ph type="title"/>
-          </p:nvPr>
-        </p:nvSpPr>
-        <p:spPr/>
-        <p:txBody>
-          <a:bodyPr/>
-          <a:lstStyle/>
-          <a:p>
-            <a:endParaRPr kumimoji="1" lang="ja-JP" altLang="en-US"/>
-          </a:p>
-        </p:txBody>
-      </p:sp>
-      <p:sp>
-        <p:nvSpPr>
-          <p:cNvPr id="3" name="コンテンツ プレースホルダー 2">
+            <a:spLocks noGrp="1" noRot="1" noChangeAspect="1" noMove="1" noResize="1" noEditPoints="1" noAdjustHandles="1" noChangeArrowheads="1" noChangeShapeType="1" noTextEdit="1"/>
+          </p:cNvSpPr>
+          <p:nvPr>
+            <p:extLst>
+              <p:ext uri="{386F3935-93C4-4BCD-93E2-E3B085C9AB24}">
+                <p16:designElem xmlns:p16="http://schemas.microsoft.com/office/powerpoint/2015/main" val="1"/>
+              </p:ext>
+            </p:extLst>
+          </p:nvPr>
+        </p:nvSpPr>
+        <p:spPr>
+          <a:xfrm>
+            <a:off x="0" y="0"/>
+            <a:ext cx="12192000" cy="6858000"/>
+          </a:xfrm>
+          <a:prstGeom prst="rect">
+            <a:avLst/>
+          </a:prstGeom>
+          <a:ln>
+            <a:noFill/>
+          </a:ln>
+        </p:spPr>
+        <p:style>
+          <a:lnRef idx="1">
+            <a:schemeClr val="dk1"/>
+          </a:lnRef>
+          <a:fillRef idx="3">
+            <a:schemeClr val="dk1"/>
+          </a:fillRef>
+          <a:effectRef idx="2">
+            <a:schemeClr val="dk1"/>
+          </a:effectRef>
+          <a:fontRef idx="minor">
+            <a:schemeClr val="lt1"/>
+          </a:fontRef>
+        </p:style>
+        <p:txBody>
+          <a:bodyPr rtlCol="0" anchor="ctr"/>
+          <a:lstStyle/>
+          <a:p>
+            <a:pPr algn="ctr"/>
+            <a:endParaRPr lang="en-US"/>
+          </a:p>
+        </p:txBody>
+      </p:sp>
+      <p:pic>
+        <p:nvPicPr>
+          <p:cNvPr id="15" name="コンテンツ プレースホルダー 14">
             <a:extLst>
               <a:ext uri="{FF2B5EF4-FFF2-40B4-BE49-F238E27FC236}">
-                <a16:creationId xmlns:a16="http://schemas.microsoft.com/office/drawing/2014/main" id="{B1EA5BEA-9B93-2747-B649-3B1AB69F035E}"/>
+                <a16:creationId xmlns:a16="http://schemas.microsoft.com/office/drawing/2014/main" id="{4ABC1EC0-2DB7-0E4E-9482-86EE27BBE28B}"/>
               </a:ext>
             </a:extLst>
           </p:cNvPr>
-          <p:cNvSpPr>
-            <a:spLocks noGrp="1"/>
-          </p:cNvSpPr>
+          <p:cNvPicPr>
+            <a:picLocks noGrp="1" noChangeAspect="1"/>
+          </p:cNvPicPr>
           <p:nvPr>
             <p:ph idx="1"/>
           </p:nvPr>
-        </p:nvSpPr>
-        <p:spPr/>
-        <p:txBody>
-          <a:bodyPr/>
-          <a:lstStyle/>
-          <a:p>
-            <a:r>
-              <a:rPr kumimoji="1" lang="ja-JP" altLang="en-US"/>
-              <a:t>ソースコード</a:t>
-            </a:r>
-          </a:p>
-        </p:txBody>
-      </p:sp>
+        </p:nvPicPr>
+        <p:blipFill>
+          <a:blip r:embed="rId2"/>
+          <a:stretch>
+            <a:fillRect/>
+          </a:stretch>
+        </p:blipFill>
+        <p:spPr>
+          <a:xfrm>
+            <a:off x="3357352" y="531128"/>
+            <a:ext cx="5477296" cy="5795744"/>
+          </a:xfrm>
+        </p:spPr>
+      </p:pic>
     </p:spTree>
     <p:extLst>
       <p:ext uri="{BB962C8B-B14F-4D97-AF65-F5344CB8AC3E}">
@@ -7380,7 +8219,7 @@
         </p:nvSpPr>
         <p:spPr>
           <a:xfrm>
-            <a:off x="223025" y="2208002"/>
+            <a:off x="223025" y="2304254"/>
             <a:ext cx="11158973" cy="4649998"/>
           </a:xfrm>
         </p:spPr>
@@ -7430,15 +8269,7 @@
             </a:r>
             <a:r>
               <a:rPr lang="ja-JP" altLang="en-US" sz="5000"/>
-              <a:t>スタートノードの値（最小コスト候補）を</a:t>
-            </a:r>
-            <a:r>
-              <a:rPr lang="en-US" altLang="ja-JP" sz="5000" dirty="0"/>
-              <a:t>0</a:t>
-            </a:r>
-            <a:r>
-              <a:rPr lang="ja-JP" altLang="en-US" sz="5000"/>
-              <a:t>，他のノードの値を未定義（または∞）に設定。</a:t>
+              <a:t>スタートノードの値（最小コスト候補）を０，他のノードの値を未定義に設定。</a:t>
             </a:r>
           </a:p>
           <a:p>
@@ -7457,7 +8288,25 @@
             </a:r>
             <a:r>
               <a:rPr lang="ja-JP" altLang="en-US" sz="4900"/>
-              <a:t> 確定ノードをピックアップすることができなくなるまで（＝変化がなくなるまで）以下のループを繰り返す</a:t>
+              <a:t> 確定ノードをピックアップすることができなくなるまで（＝変化がなくなるまで）以下　　　　　　　　</a:t>
+            </a:r>
+            <a:endParaRPr lang="en-US" altLang="ja-JP" sz="4900" dirty="0"/>
+          </a:p>
+          <a:p>
+            <a:pPr marL="0" indent="0">
+              <a:buNone/>
+            </a:pPr>
+            <a:r>
+              <a:rPr lang="ja-JP" altLang="en-US" sz="4900"/>
+              <a:t>　　　</a:t>
+            </a:r>
+            <a:r>
+              <a:rPr lang="en-US" altLang="ja-JP" sz="4900" dirty="0"/>
+              <a:t> </a:t>
+            </a:r>
+            <a:r>
+              <a:rPr lang="ja-JP" altLang="en-US" sz="4900"/>
+              <a:t>のループを繰り返す</a:t>
             </a:r>
             <a:r>
               <a:rPr lang="en-US" altLang="ja-JP" sz="4900" dirty="0"/>
@@ -7472,6 +8321,9 @@
           </a:p>
           <a:p>
             <a:pPr marL="457200" lvl="1" indent="0">
+              <a:lnSpc>
+                <a:spcPct val="120000"/>
+              </a:lnSpc>
               <a:buNone/>
             </a:pPr>
             <a:r>
@@ -7486,6 +8338,9 @@
           </a:p>
           <a:p>
             <a:pPr marL="457200" lvl="1" indent="0">
+              <a:lnSpc>
+                <a:spcPct val="120000"/>
+              </a:lnSpc>
               <a:buNone/>
             </a:pPr>
             <a:r>
@@ -7538,10 +8393,10 @@
       </p:grpSpPr>
       <p:sp>
         <p:nvSpPr>
-          <p:cNvPr id="2" name="タイトル 1">
+          <p:cNvPr id="5" name="タイトル 4">
             <a:extLst>
               <a:ext uri="{FF2B5EF4-FFF2-40B4-BE49-F238E27FC236}">
-                <a16:creationId xmlns:a16="http://schemas.microsoft.com/office/drawing/2014/main" id="{3E89372A-7B98-C345-A8C0-E5171E0946B7}"/>
+                <a16:creationId xmlns:a16="http://schemas.microsoft.com/office/drawing/2014/main" id="{323DC88F-E9B9-4942-BB1D-76C791F09330}"/>
               </a:ext>
             </a:extLst>
           </p:cNvPr>
@@ -7552,52 +8407,50 @@
             <p:ph type="title"/>
           </p:nvPr>
         </p:nvSpPr>
-        <p:spPr/>
+        <p:spPr>
+          <a:xfrm>
+            <a:off x="810000" y="447188"/>
+            <a:ext cx="10571998" cy="970450"/>
+          </a:xfrm>
+        </p:spPr>
         <p:txBody>
           <a:bodyPr/>
           <a:lstStyle/>
           <a:p>
-            <a:r>
-              <a:rPr lang="en-US" altLang="ja-JP" dirty="0"/>
-              <a:t> </a:t>
-            </a:r>
-            <a:r>
-              <a:rPr lang="ja-JP" altLang="en-US"/>
-              <a:t>実装したアルゴリズムの解説 </a:t>
-            </a:r>
-            <a:endParaRPr kumimoji="1" lang="ja-JP" altLang="en-US"/>
-          </a:p>
-        </p:txBody>
-      </p:sp>
-      <p:sp>
-        <p:nvSpPr>
-          <p:cNvPr id="3" name="コンテンツ プレースホルダー 2">
+            <a:endParaRPr lang="ja-JP" altLang="en-US"/>
+          </a:p>
+        </p:txBody>
+      </p:sp>
+      <p:pic>
+        <p:nvPicPr>
+          <p:cNvPr id="12" name="図 11">
             <a:extLst>
               <a:ext uri="{FF2B5EF4-FFF2-40B4-BE49-F238E27FC236}">
-                <a16:creationId xmlns:a16="http://schemas.microsoft.com/office/drawing/2014/main" id="{88312DD6-6859-7449-ACFA-C62307D9916E}"/>
+                <a16:creationId xmlns:a16="http://schemas.microsoft.com/office/drawing/2014/main" id="{C52D4B9F-AFD6-0F4B-8875-B19E71DF0E36}"/>
               </a:ext>
             </a:extLst>
           </p:cNvPr>
-          <p:cNvSpPr>
-            <a:spLocks noGrp="1"/>
-          </p:cNvSpPr>
-          <p:nvPr>
-            <p:ph idx="1"/>
-          </p:nvPr>
-        </p:nvSpPr>
-        <p:spPr/>
-        <p:txBody>
-          <a:bodyPr/>
-          <a:lstStyle/>
-          <a:p>
-            <a:r>
-              <a:rPr lang="ja-JP" altLang="en-US"/>
-              <a:t>ソースコード</a:t>
-            </a:r>
-            <a:endParaRPr kumimoji="1" lang="ja-JP" altLang="en-US"/>
-          </a:p>
-        </p:txBody>
-      </p:sp>
+          <p:cNvPicPr>
+            <a:picLocks noChangeAspect="1"/>
+          </p:cNvPicPr>
+          <p:nvPr/>
+        </p:nvPicPr>
+        <p:blipFill>
+          <a:blip r:embed="rId3"/>
+          <a:stretch>
+            <a:fillRect/>
+          </a:stretch>
+        </p:blipFill>
+        <p:spPr>
+          <a:xfrm>
+            <a:off x="3853248" y="0"/>
+            <a:ext cx="4485503" cy="6858000"/>
+          </a:xfrm>
+          <a:prstGeom prst="rect">
+            <a:avLst/>
+          </a:prstGeom>
+        </p:spPr>
+      </p:pic>
     </p:spTree>
     <p:extLst>
       <p:ext uri="{BB962C8B-B14F-4D97-AF65-F5344CB8AC3E}">
@@ -7628,6 +8481,46 @@
           <a:chExt cx="0" cy="0"/>
         </a:xfrm>
       </p:grpSpPr>
+      <p:cxnSp>
+        <p:nvCxnSpPr>
+          <p:cNvPr id="19" name="直線コネクタ 18">
+            <a:extLst>
+              <a:ext uri="{FF2B5EF4-FFF2-40B4-BE49-F238E27FC236}">
+                <a16:creationId xmlns:a16="http://schemas.microsoft.com/office/drawing/2014/main" id="{6B17ADD9-6281-8A40-8931-F375ABEA02E5}"/>
+              </a:ext>
+            </a:extLst>
+          </p:cNvPr>
+          <p:cNvCxnSpPr>
+            <a:cxnSpLocks/>
+            <a:stCxn id="16" idx="2"/>
+            <a:endCxn id="17" idx="0"/>
+          </p:cNvCxnSpPr>
+          <p:nvPr/>
+        </p:nvCxnSpPr>
+        <p:spPr>
+          <a:xfrm>
+            <a:off x="6096000" y="2012755"/>
+            <a:ext cx="0" cy="4205593"/>
+          </a:xfrm>
+          <a:prstGeom prst="line">
+            <a:avLst/>
+          </a:prstGeom>
+        </p:spPr>
+        <p:style>
+          <a:lnRef idx="1">
+            <a:schemeClr val="accent1"/>
+          </a:lnRef>
+          <a:fillRef idx="0">
+            <a:schemeClr val="accent1"/>
+          </a:fillRef>
+          <a:effectRef idx="0">
+            <a:schemeClr val="accent1"/>
+          </a:effectRef>
+          <a:fontRef idx="minor">
+            <a:schemeClr val="tx1"/>
+          </a:fontRef>
+        </p:style>
+      </p:cxnSp>
       <p:sp>
         <p:nvSpPr>
           <p:cNvPr id="2" name="タイトル 1">
@@ -7644,7 +8537,12 @@
             <p:ph type="title"/>
           </p:nvPr>
         </p:nvSpPr>
-        <p:spPr/>
+        <p:spPr>
+          <a:xfrm>
+            <a:off x="810000" y="447188"/>
+            <a:ext cx="10571998" cy="970450"/>
+          </a:xfrm>
+        </p:spPr>
         <p:txBody>
           <a:bodyPr/>
           <a:lstStyle/>
@@ -7655,7 +8553,7 @@
             </a:r>
             <a:r>
               <a:rPr lang="ja-JP" altLang="en-US"/>
-              <a:t>クラス図等による概要 </a:t>
+              <a:t>フローチャート図による概要 </a:t>
             </a:r>
             <a:endParaRPr kumimoji="1" lang="ja-JP" altLang="en-US"/>
           </a:p>
@@ -7663,28 +8561,331 @@
       </p:sp>
       <p:sp>
         <p:nvSpPr>
-          <p:cNvPr id="3" name="コンテンツ プレースホルダー 2">
+          <p:cNvPr id="11" name="正方形/長方形 10">
             <a:extLst>
               <a:ext uri="{FF2B5EF4-FFF2-40B4-BE49-F238E27FC236}">
-                <a16:creationId xmlns:a16="http://schemas.microsoft.com/office/drawing/2014/main" id="{2F48578F-7329-A44A-9B1D-208B7DDAE0E1}"/>
+                <a16:creationId xmlns:a16="http://schemas.microsoft.com/office/drawing/2014/main" id="{152079C0-F08E-5549-B5C1-500C120BCA1F}"/>
               </a:ext>
             </a:extLst>
           </p:cNvPr>
-          <p:cNvSpPr>
-            <a:spLocks noGrp="1"/>
-          </p:cNvSpPr>
-          <p:nvPr>
-            <p:ph idx="1"/>
-          </p:nvPr>
-        </p:nvSpPr>
-        <p:spPr/>
-        <p:txBody>
-          <a:bodyPr/>
-          <a:lstStyle/>
-          <a:p>
-            <a:pPr marL="0" indent="0">
-              <a:buNone/>
-            </a:pPr>
+          <p:cNvSpPr/>
+          <p:nvPr/>
+        </p:nvSpPr>
+        <p:spPr>
+          <a:xfrm>
+            <a:off x="4924929" y="2288033"/>
+            <a:ext cx="2390272" cy="415840"/>
+          </a:xfrm>
+          <a:prstGeom prst="rect">
+            <a:avLst/>
+          </a:prstGeom>
+        </p:spPr>
+        <p:style>
+          <a:lnRef idx="2">
+            <a:schemeClr val="dk1"/>
+          </a:lnRef>
+          <a:fillRef idx="1">
+            <a:schemeClr val="lt1"/>
+          </a:fillRef>
+          <a:effectRef idx="0">
+            <a:schemeClr val="dk1"/>
+          </a:effectRef>
+          <a:fontRef idx="minor">
+            <a:schemeClr val="dk1"/>
+          </a:fontRef>
+        </p:style>
+        <p:txBody>
+          <a:bodyPr rtlCol="0" anchor="ctr"/>
+          <a:lstStyle/>
+          <a:p>
+            <a:pPr algn="ctr"/>
+            <a:r>
+              <a:rPr kumimoji="1" lang="ja-JP" altLang="en-US"/>
+              <a:t>データ入力</a:t>
+            </a:r>
+          </a:p>
+        </p:txBody>
+      </p:sp>
+      <p:sp>
+        <p:nvSpPr>
+          <p:cNvPr id="12" name="正方形/長方形 11">
+            <a:extLst>
+              <a:ext uri="{FF2B5EF4-FFF2-40B4-BE49-F238E27FC236}">
+                <a16:creationId xmlns:a16="http://schemas.microsoft.com/office/drawing/2014/main" id="{E966047A-E6F7-CC48-9E79-8D92935E1FAF}"/>
+              </a:ext>
+            </a:extLst>
+          </p:cNvPr>
+          <p:cNvSpPr/>
+          <p:nvPr/>
+        </p:nvSpPr>
+        <p:spPr>
+          <a:xfrm>
+            <a:off x="4924929" y="3074096"/>
+            <a:ext cx="2390272" cy="415840"/>
+          </a:xfrm>
+          <a:prstGeom prst="rect">
+            <a:avLst/>
+          </a:prstGeom>
+        </p:spPr>
+        <p:style>
+          <a:lnRef idx="2">
+            <a:schemeClr val="dk1"/>
+          </a:lnRef>
+          <a:fillRef idx="1">
+            <a:schemeClr val="lt1"/>
+          </a:fillRef>
+          <a:effectRef idx="0">
+            <a:schemeClr val="dk1"/>
+          </a:effectRef>
+          <a:fontRef idx="minor">
+            <a:schemeClr val="dk1"/>
+          </a:fontRef>
+        </p:style>
+        <p:txBody>
+          <a:bodyPr rtlCol="0" anchor="ctr"/>
+          <a:lstStyle/>
+          <a:p>
+            <a:pPr algn="ctr"/>
+            <a:r>
+              <a:rPr kumimoji="1" lang="ja-JP" altLang="en-US"/>
+              <a:t>交差点の検出</a:t>
+            </a:r>
+          </a:p>
+        </p:txBody>
+      </p:sp>
+      <p:sp>
+        <p:nvSpPr>
+          <p:cNvPr id="13" name="正方形/長方形 12">
+            <a:extLst>
+              <a:ext uri="{FF2B5EF4-FFF2-40B4-BE49-F238E27FC236}">
+                <a16:creationId xmlns:a16="http://schemas.microsoft.com/office/drawing/2014/main" id="{009200AC-F40C-5349-A07D-16B887FD126A}"/>
+              </a:ext>
+            </a:extLst>
+          </p:cNvPr>
+          <p:cNvSpPr/>
+          <p:nvPr/>
+        </p:nvSpPr>
+        <p:spPr>
+          <a:xfrm>
+            <a:off x="4908887" y="3876201"/>
+            <a:ext cx="2390272" cy="415840"/>
+          </a:xfrm>
+          <a:prstGeom prst="rect">
+            <a:avLst/>
+          </a:prstGeom>
+        </p:spPr>
+        <p:style>
+          <a:lnRef idx="2">
+            <a:schemeClr val="dk1"/>
+          </a:lnRef>
+          <a:fillRef idx="1">
+            <a:schemeClr val="lt1"/>
+          </a:fillRef>
+          <a:effectRef idx="0">
+            <a:schemeClr val="dk1"/>
+          </a:effectRef>
+          <a:fontRef idx="minor">
+            <a:schemeClr val="dk1"/>
+          </a:fontRef>
+        </p:style>
+        <p:txBody>
+          <a:bodyPr rtlCol="0" anchor="ctr"/>
+          <a:lstStyle/>
+          <a:p>
+            <a:pPr algn="ctr"/>
+            <a:r>
+              <a:rPr kumimoji="1" lang="ja-JP" altLang="en-US"/>
+              <a:t>点のデータの整理</a:t>
+            </a:r>
+          </a:p>
+        </p:txBody>
+      </p:sp>
+      <p:sp>
+        <p:nvSpPr>
+          <p:cNvPr id="14" name="正方形/長方形 13">
+            <a:extLst>
+              <a:ext uri="{FF2B5EF4-FFF2-40B4-BE49-F238E27FC236}">
+                <a16:creationId xmlns:a16="http://schemas.microsoft.com/office/drawing/2014/main" id="{E9B7CF57-8C12-8345-8B8E-573C0A42B8C0}"/>
+              </a:ext>
+            </a:extLst>
+          </p:cNvPr>
+          <p:cNvSpPr/>
+          <p:nvPr/>
+        </p:nvSpPr>
+        <p:spPr>
+          <a:xfrm>
+            <a:off x="4892845" y="4646222"/>
+            <a:ext cx="2390272" cy="415840"/>
+          </a:xfrm>
+          <a:prstGeom prst="rect">
+            <a:avLst/>
+          </a:prstGeom>
+        </p:spPr>
+        <p:style>
+          <a:lnRef idx="2">
+            <a:schemeClr val="dk1"/>
+          </a:lnRef>
+          <a:fillRef idx="1">
+            <a:schemeClr val="lt1"/>
+          </a:fillRef>
+          <a:effectRef idx="0">
+            <a:schemeClr val="dk1"/>
+          </a:effectRef>
+          <a:fontRef idx="minor">
+            <a:schemeClr val="dk1"/>
+          </a:fontRef>
+        </p:style>
+        <p:txBody>
+          <a:bodyPr rtlCol="0" anchor="ctr"/>
+          <a:lstStyle/>
+          <a:p>
+            <a:pPr algn="ctr"/>
+            <a:r>
+              <a:rPr kumimoji="1" lang="ja-JP" altLang="en-US"/>
+              <a:t>最終経路を求める</a:t>
+            </a:r>
+          </a:p>
+        </p:txBody>
+      </p:sp>
+      <p:sp>
+        <p:nvSpPr>
+          <p:cNvPr id="15" name="正方形/長方形 14">
+            <a:extLst>
+              <a:ext uri="{FF2B5EF4-FFF2-40B4-BE49-F238E27FC236}">
+                <a16:creationId xmlns:a16="http://schemas.microsoft.com/office/drawing/2014/main" id="{0E6F48C6-2DF4-024C-B380-3F1BED29E34F}"/>
+              </a:ext>
+            </a:extLst>
+          </p:cNvPr>
+          <p:cNvSpPr/>
+          <p:nvPr/>
+        </p:nvSpPr>
+        <p:spPr>
+          <a:xfrm>
+            <a:off x="4908887" y="5448327"/>
+            <a:ext cx="2390272" cy="415840"/>
+          </a:xfrm>
+          <a:prstGeom prst="rect">
+            <a:avLst/>
+          </a:prstGeom>
+        </p:spPr>
+        <p:style>
+          <a:lnRef idx="2">
+            <a:schemeClr val="dk1"/>
+          </a:lnRef>
+          <a:fillRef idx="1">
+            <a:schemeClr val="lt1"/>
+          </a:fillRef>
+          <a:effectRef idx="0">
+            <a:schemeClr val="dk1"/>
+          </a:effectRef>
+          <a:fontRef idx="minor">
+            <a:schemeClr val="dk1"/>
+          </a:fontRef>
+        </p:style>
+        <p:txBody>
+          <a:bodyPr rtlCol="0" anchor="ctr"/>
+          <a:lstStyle/>
+          <a:p>
+            <a:pPr algn="ctr"/>
+            <a:r>
+              <a:rPr kumimoji="1" lang="ja-JP" altLang="en-US"/>
+              <a:t>結果の表示</a:t>
+            </a:r>
+          </a:p>
+        </p:txBody>
+      </p:sp>
+      <p:sp>
+        <p:nvSpPr>
+          <p:cNvPr id="16" name="角丸四角形 15">
+            <a:extLst>
+              <a:ext uri="{FF2B5EF4-FFF2-40B4-BE49-F238E27FC236}">
+                <a16:creationId xmlns:a16="http://schemas.microsoft.com/office/drawing/2014/main" id="{21D3C07B-3504-CB45-9EFD-702CF4BFE3F8}"/>
+              </a:ext>
+            </a:extLst>
+          </p:cNvPr>
+          <p:cNvSpPr/>
+          <p:nvPr/>
+        </p:nvSpPr>
+        <p:spPr>
+          <a:xfrm>
+            <a:off x="4748463" y="1525503"/>
+            <a:ext cx="2695074" cy="487252"/>
+          </a:xfrm>
+          <a:prstGeom prst="roundRect">
+            <a:avLst/>
+          </a:prstGeom>
+        </p:spPr>
+        <p:style>
+          <a:lnRef idx="2">
+            <a:schemeClr val="dk1"/>
+          </a:lnRef>
+          <a:fillRef idx="1">
+            <a:schemeClr val="lt1"/>
+          </a:fillRef>
+          <a:effectRef idx="0">
+            <a:schemeClr val="dk1"/>
+          </a:effectRef>
+          <a:fontRef idx="minor">
+            <a:schemeClr val="dk1"/>
+          </a:fontRef>
+        </p:style>
+        <p:txBody>
+          <a:bodyPr rtlCol="0" anchor="ctr"/>
+          <a:lstStyle/>
+          <a:p>
+            <a:pPr algn="ctr"/>
+            <a:r>
+              <a:rPr kumimoji="1" lang="en-US" altLang="ja-JP" dirty="0"/>
+              <a:t>START</a:t>
+            </a:r>
+            <a:endParaRPr kumimoji="1" lang="ja-JP" altLang="en-US"/>
+          </a:p>
+        </p:txBody>
+      </p:sp>
+      <p:sp>
+        <p:nvSpPr>
+          <p:cNvPr id="17" name="角丸四角形 16">
+            <a:extLst>
+              <a:ext uri="{FF2B5EF4-FFF2-40B4-BE49-F238E27FC236}">
+                <a16:creationId xmlns:a16="http://schemas.microsoft.com/office/drawing/2014/main" id="{48157017-B316-6044-AB1B-AC64D8033BF9}"/>
+              </a:ext>
+            </a:extLst>
+          </p:cNvPr>
+          <p:cNvSpPr/>
+          <p:nvPr/>
+        </p:nvSpPr>
+        <p:spPr>
+          <a:xfrm>
+            <a:off x="4748463" y="6218348"/>
+            <a:ext cx="2695074" cy="487252"/>
+          </a:xfrm>
+          <a:prstGeom prst="roundRect">
+            <a:avLst/>
+          </a:prstGeom>
+        </p:spPr>
+        <p:style>
+          <a:lnRef idx="2">
+            <a:schemeClr val="dk1"/>
+          </a:lnRef>
+          <a:fillRef idx="1">
+            <a:schemeClr val="lt1"/>
+          </a:fillRef>
+          <a:effectRef idx="0">
+            <a:schemeClr val="dk1"/>
+          </a:effectRef>
+          <a:fontRef idx="minor">
+            <a:schemeClr val="dk1"/>
+          </a:fontRef>
+        </p:style>
+        <p:txBody>
+          <a:bodyPr rtlCol="0" anchor="ctr"/>
+          <a:lstStyle/>
+          <a:p>
+            <a:pPr algn="ctr"/>
+            <a:r>
+              <a:rPr kumimoji="1" lang="en-US" altLang="ja-JP" dirty="0"/>
+              <a:t>END</a:t>
+            </a:r>
             <a:endParaRPr kumimoji="1" lang="ja-JP" altLang="en-US"/>
           </a:p>
         </p:txBody>
@@ -7937,4 +9138,299 @@
     </a:ext>
   </a:extLst>
 </a:theme>
+</file>
+
+<file path=ppt/theme/theme2.xml><?xml version="1.0" encoding="utf-8"?>
+<a:theme xmlns:a="http://schemas.openxmlformats.org/drawingml/2006/main" name="Office テーマ">
+  <a:themeElements>
+    <a:clrScheme name="Office">
+      <a:dk1>
+        <a:sysClr val="windowText" lastClr="000000"/>
+      </a:dk1>
+      <a:lt1>
+        <a:sysClr val="window" lastClr="FFFFFF"/>
+      </a:lt1>
+      <a:dk2>
+        <a:srgbClr val="44546A"/>
+      </a:dk2>
+      <a:lt2>
+        <a:srgbClr val="E7E6E6"/>
+      </a:lt2>
+      <a:accent1>
+        <a:srgbClr val="4472C4"/>
+      </a:accent1>
+      <a:accent2>
+        <a:srgbClr val="ED7D31"/>
+      </a:accent2>
+      <a:accent3>
+        <a:srgbClr val="A5A5A5"/>
+      </a:accent3>
+      <a:accent4>
+        <a:srgbClr val="FFC000"/>
+      </a:accent4>
+      <a:accent5>
+        <a:srgbClr val="5B9BD5"/>
+      </a:accent5>
+      <a:accent6>
+        <a:srgbClr val="70AD47"/>
+      </a:accent6>
+      <a:hlink>
+        <a:srgbClr val="0563C1"/>
+      </a:hlink>
+      <a:folHlink>
+        <a:srgbClr val="954F72"/>
+      </a:folHlink>
+    </a:clrScheme>
+    <a:fontScheme name="Office">
+      <a:majorFont>
+        <a:latin typeface="游ゴシック Light" panose="020F0302020204030204"/>
+        <a:ea typeface=""/>
+        <a:cs typeface=""/>
+        <a:font script="Jpan" typeface="游ゴシック Light"/>
+        <a:font script="Hang" typeface="맑은 고딕"/>
+        <a:font script="Hans" typeface="等线 Light"/>
+        <a:font script="Hant" typeface="新細明體"/>
+        <a:font script="Arab" typeface="Times New Roman"/>
+        <a:font script="Hebr" typeface="Times New Roman"/>
+        <a:font script="Thai" typeface="Angsana New"/>
+        <a:font script="Ethi" typeface="Nyala"/>
+        <a:font script="Beng" typeface="Vrinda"/>
+        <a:font script="Gujr" typeface="Shruti"/>
+        <a:font script="Khmr" typeface="MoolBoran"/>
+        <a:font script="Knda" typeface="Tunga"/>
+        <a:font script="Guru" typeface="Raavi"/>
+        <a:font script="Cans" typeface="Euphemia"/>
+        <a:font script="Cher" typeface="Plantagenet Cherokee"/>
+        <a:font script="Yiii" typeface="Microsoft Yi Baiti"/>
+        <a:font script="Tibt" typeface="Microsoft Himalaya"/>
+        <a:font script="Thaa" typeface="MV Boli"/>
+        <a:font script="Deva" typeface="Mangal"/>
+        <a:font script="Telu" typeface="Gautami"/>
+        <a:font script="Taml" typeface="Latha"/>
+        <a:font script="Syrc" typeface="Estrangelo Edessa"/>
+        <a:font script="Orya" typeface="Kalinga"/>
+        <a:font script="Mlym" typeface="Kartika"/>
+        <a:font script="Laoo" typeface="DokChampa"/>
+        <a:font script="Sinh" typeface="Iskoola Pota"/>
+        <a:font script="Mong" typeface="Mongolian Baiti"/>
+        <a:font script="Viet" typeface="Times New Roman"/>
+        <a:font script="Uigh" typeface="Microsoft Uighur"/>
+        <a:font script="Geor" typeface="Sylfaen"/>
+        <a:font script="Armn" typeface="Arial"/>
+        <a:font script="Bugi" typeface="Leelawadee UI"/>
+        <a:font script="Bopo" typeface="Microsoft JhengHei"/>
+        <a:font script="Java" typeface="Javanese Text"/>
+        <a:font script="Lisu" typeface="Segoe UI"/>
+        <a:font script="Mymr" typeface="Myanmar Text"/>
+        <a:font script="Nkoo" typeface="Ebrima"/>
+        <a:font script="Olck" typeface="Nirmala UI"/>
+        <a:font script="Osma" typeface="Ebrima"/>
+        <a:font script="Phag" typeface="Phagspa"/>
+        <a:font script="Syrn" typeface="Estrangelo Edessa"/>
+        <a:font script="Syrj" typeface="Estrangelo Edessa"/>
+        <a:font script="Syre" typeface="Estrangelo Edessa"/>
+        <a:font script="Sora" typeface="Nirmala UI"/>
+        <a:font script="Tale" typeface="Microsoft Tai Le"/>
+        <a:font script="Talu" typeface="Microsoft New Tai Lue"/>
+        <a:font script="Tfng" typeface="Ebrima"/>
+      </a:majorFont>
+      <a:minorFont>
+        <a:latin typeface="游ゴシック" panose="020F0502020204030204"/>
+        <a:ea typeface=""/>
+        <a:cs typeface=""/>
+        <a:font script="Jpan" typeface="游ゴシック"/>
+        <a:font script="Hang" typeface="맑은 고딕"/>
+        <a:font script="Hans" typeface="等线"/>
+        <a:font script="Hant" typeface="新細明體"/>
+        <a:font script="Arab" typeface="Arial"/>
+        <a:font script="Hebr" typeface="Arial"/>
+        <a:font script="Thai" typeface="Cordia New"/>
+        <a:font script="Ethi" typeface="Nyala"/>
+        <a:font script="Beng" typeface="Vrinda"/>
+        <a:font script="Gujr" typeface="Shruti"/>
+        <a:font script="Khmr" typeface="DaunPenh"/>
+        <a:font script="Knda" typeface="Tunga"/>
+        <a:font script="Guru" typeface="Raavi"/>
+        <a:font script="Cans" typeface="Euphemia"/>
+        <a:font script="Cher" typeface="Plantagenet Cherokee"/>
+        <a:font script="Yiii" typeface="Microsoft Yi Baiti"/>
+        <a:font script="Tibt" typeface="Microsoft Himalaya"/>
+        <a:font script="Thaa" typeface="MV Boli"/>
+        <a:font script="Deva" typeface="Mangal"/>
+        <a:font script="Telu" typeface="Gautami"/>
+        <a:font script="Taml" typeface="Latha"/>
+        <a:font script="Syrc" typeface="Estrangelo Edessa"/>
+        <a:font script="Orya" typeface="Kalinga"/>
+        <a:font script="Mlym" typeface="Kartika"/>
+        <a:font script="Laoo" typeface="DokChampa"/>
+        <a:font script="Sinh" typeface="Iskoola Pota"/>
+        <a:font script="Mong" typeface="Mongolian Baiti"/>
+        <a:font script="Viet" typeface="Arial"/>
+        <a:font script="Uigh" typeface="Microsoft Uighur"/>
+        <a:font script="Geor" typeface="Sylfaen"/>
+        <a:font script="Armn" typeface="Arial"/>
+        <a:font script="Bugi" typeface="Leelawadee UI"/>
+        <a:font script="Bopo" typeface="Microsoft JhengHei"/>
+        <a:font script="Java" typeface="Javanese Text"/>
+        <a:font script="Lisu" typeface="Segoe UI"/>
+        <a:font script="Mymr" typeface="Myanmar Text"/>
+        <a:font script="Nkoo" typeface="Ebrima"/>
+        <a:font script="Olck" typeface="Nirmala UI"/>
+        <a:font script="Osma" typeface="Ebrima"/>
+        <a:font script="Phag" typeface="Phagspa"/>
+        <a:font script="Syrn" typeface="Estrangelo Edessa"/>
+        <a:font script="Syrj" typeface="Estrangelo Edessa"/>
+        <a:font script="Syre" typeface="Estrangelo Edessa"/>
+        <a:font script="Sora" typeface="Nirmala UI"/>
+        <a:font script="Tale" typeface="Microsoft Tai Le"/>
+        <a:font script="Talu" typeface="Microsoft New Tai Lue"/>
+        <a:font script="Tfng" typeface="Ebrima"/>
+      </a:minorFont>
+    </a:fontScheme>
+    <a:fmtScheme name="Office">
+      <a:fillStyleLst>
+        <a:solidFill>
+          <a:schemeClr val="phClr"/>
+        </a:solidFill>
+        <a:gradFill rotWithShape="1">
+          <a:gsLst>
+            <a:gs pos="0">
+              <a:schemeClr val="phClr">
+                <a:lumMod val="110000"/>
+                <a:satMod val="105000"/>
+                <a:tint val="67000"/>
+              </a:schemeClr>
+            </a:gs>
+            <a:gs pos="50000">
+              <a:schemeClr val="phClr">
+                <a:lumMod val="105000"/>
+                <a:satMod val="103000"/>
+                <a:tint val="73000"/>
+              </a:schemeClr>
+            </a:gs>
+            <a:gs pos="100000">
+              <a:schemeClr val="phClr">
+                <a:lumMod val="105000"/>
+                <a:satMod val="109000"/>
+                <a:tint val="81000"/>
+              </a:schemeClr>
+            </a:gs>
+          </a:gsLst>
+          <a:lin ang="5400000" scaled="0"/>
+        </a:gradFill>
+        <a:gradFill rotWithShape="1">
+          <a:gsLst>
+            <a:gs pos="0">
+              <a:schemeClr val="phClr">
+                <a:satMod val="103000"/>
+                <a:lumMod val="102000"/>
+                <a:tint val="94000"/>
+              </a:schemeClr>
+            </a:gs>
+            <a:gs pos="50000">
+              <a:schemeClr val="phClr">
+                <a:satMod val="110000"/>
+                <a:lumMod val="100000"/>
+                <a:shade val="100000"/>
+              </a:schemeClr>
+            </a:gs>
+            <a:gs pos="100000">
+              <a:schemeClr val="phClr">
+                <a:lumMod val="99000"/>
+                <a:satMod val="120000"/>
+                <a:shade val="78000"/>
+              </a:schemeClr>
+            </a:gs>
+          </a:gsLst>
+          <a:lin ang="5400000" scaled="0"/>
+        </a:gradFill>
+      </a:fillStyleLst>
+      <a:lnStyleLst>
+        <a:ln w="6350" cap="flat" cmpd="sng" algn="ctr">
+          <a:solidFill>
+            <a:schemeClr val="phClr"/>
+          </a:solidFill>
+          <a:prstDash val="solid"/>
+          <a:miter lim="800000"/>
+        </a:ln>
+        <a:ln w="12700" cap="flat" cmpd="sng" algn="ctr">
+          <a:solidFill>
+            <a:schemeClr val="phClr"/>
+          </a:solidFill>
+          <a:prstDash val="solid"/>
+          <a:miter lim="800000"/>
+        </a:ln>
+        <a:ln w="19050" cap="flat" cmpd="sng" algn="ctr">
+          <a:solidFill>
+            <a:schemeClr val="phClr"/>
+          </a:solidFill>
+          <a:prstDash val="solid"/>
+          <a:miter lim="800000"/>
+        </a:ln>
+      </a:lnStyleLst>
+      <a:effectStyleLst>
+        <a:effectStyle>
+          <a:effectLst/>
+        </a:effectStyle>
+        <a:effectStyle>
+          <a:effectLst/>
+        </a:effectStyle>
+        <a:effectStyle>
+          <a:effectLst>
+            <a:outerShdw blurRad="57150" dist="19050" dir="5400000" algn="ctr" rotWithShape="0">
+              <a:srgbClr val="000000">
+                <a:alpha val="63000"/>
+              </a:srgbClr>
+            </a:outerShdw>
+          </a:effectLst>
+        </a:effectStyle>
+      </a:effectStyleLst>
+      <a:bgFillStyleLst>
+        <a:solidFill>
+          <a:schemeClr val="phClr"/>
+        </a:solidFill>
+        <a:solidFill>
+          <a:schemeClr val="phClr">
+            <a:tint val="95000"/>
+            <a:satMod val="170000"/>
+          </a:schemeClr>
+        </a:solidFill>
+        <a:gradFill rotWithShape="1">
+          <a:gsLst>
+            <a:gs pos="0">
+              <a:schemeClr val="phClr">
+                <a:tint val="93000"/>
+                <a:satMod val="150000"/>
+                <a:shade val="98000"/>
+                <a:lumMod val="102000"/>
+              </a:schemeClr>
+            </a:gs>
+            <a:gs pos="50000">
+              <a:schemeClr val="phClr">
+                <a:tint val="98000"/>
+                <a:satMod val="130000"/>
+                <a:shade val="90000"/>
+                <a:lumMod val="103000"/>
+              </a:schemeClr>
+            </a:gs>
+            <a:gs pos="100000">
+              <a:schemeClr val="phClr">
+                <a:shade val="63000"/>
+                <a:satMod val="120000"/>
+              </a:schemeClr>
+            </a:gs>
+          </a:gsLst>
+          <a:lin ang="5400000" scaled="0"/>
+        </a:gradFill>
+      </a:bgFillStyleLst>
+    </a:fmtScheme>
+  </a:themeElements>
+  <a:objectDefaults/>
+  <a:extraClrSchemeLst/>
+  <a:extLst>
+    <a:ext uri="{05A4C25C-085E-4340-85A3-A5531E510DB2}">
+      <thm15:themeFamily xmlns:thm15="http://schemas.microsoft.com/office/thememl/2012/main" name="Office Theme" id="{62F939B6-93AF-4DB8-9C6B-D6C7DFDC589F}" vid="{4A3C46E8-61CC-4603-A589-7422A47A8E4A}"/>
+    </a:ext>
+  </a:extLst>
+</a:theme>
 </file>
--- a/ソフトウェア総合演習.pptx
+++ b/ソフトウェア総合演習.pptx
@@ -5,7 +5,7 @@
     <p:sldMasterId id="2147483648" r:id="rId1"/>
   </p:sldMasterIdLst>
   <p:notesMasterIdLst>
-    <p:notesMasterId r:id="rId17"/>
+    <p:notesMasterId r:id="rId16"/>
   </p:notesMasterIdLst>
   <p:sldIdLst>
     <p:sldId id="256" r:id="rId2"/>
@@ -19,10 +19,9 @@
     <p:sldId id="262" r:id="rId10"/>
     <p:sldId id="263" r:id="rId11"/>
     <p:sldId id="264" r:id="rId12"/>
-    <p:sldId id="265" r:id="rId13"/>
-    <p:sldId id="260" r:id="rId14"/>
-    <p:sldId id="270" r:id="rId15"/>
-    <p:sldId id="271" r:id="rId16"/>
+    <p:sldId id="260" r:id="rId13"/>
+    <p:sldId id="270" r:id="rId14"/>
+    <p:sldId id="271" r:id="rId15"/>
   </p:sldIdLst>
   <p:sldSz cx="12192000" cy="6858000"/>
   <p:notesSz cx="6858000" cy="9144000"/>
@@ -121,7 +120,856 @@
       </a:defRPr>
     </a:lvl9pPr>
   </p:defaultTextStyle>
+  <p:extLst>
+    <p:ext uri="{EFAFB233-063F-42B5-8137-9DF3F51BA10A}">
+      <p15:sldGuideLst xmlns:p15="http://schemas.microsoft.com/office/powerpoint/2012/main"/>
+    </p:ext>
+  </p:extLst>
 </p:presentation>
+</file>
+
+<file path=ppt/charts/chart1.xml><?xml version="1.0" encoding="utf-8"?>
+<c:chartSpace xmlns:c="http://schemas.openxmlformats.org/drawingml/2006/chart" xmlns:a="http://schemas.openxmlformats.org/drawingml/2006/main" xmlns:r="http://schemas.openxmlformats.org/officeDocument/2006/relationships" xmlns:c16r2="http://schemas.microsoft.com/office/drawing/2015/06/chart">
+  <c:date1904 val="0"/>
+  <c:lang val="ja-JP"/>
+  <c:roundedCorners val="0"/>
+  <mc:AlternateContent xmlns:mc="http://schemas.openxmlformats.org/markup-compatibility/2006">
+    <mc:Choice xmlns:c14="http://schemas.microsoft.com/office/drawing/2007/8/2/chart" Requires="c14">
+      <c14:style val="102"/>
+    </mc:Choice>
+    <mc:Fallback>
+      <c:style val="2"/>
+    </mc:Fallback>
+  </mc:AlternateContent>
+  <c:chart>
+    <c:autoTitleDeleted val="1"/>
+    <c:plotArea>
+      <c:layout/>
+      <c:scatterChart>
+        <c:scatterStyle val="lineMarker"/>
+        <c:varyColors val="0"/>
+        <c:ser>
+          <c:idx val="0"/>
+          <c:order val="0"/>
+          <c:spPr>
+            <a:ln w="19050" cap="rnd">
+              <a:solidFill>
+                <a:schemeClr val="accent1"/>
+              </a:solidFill>
+              <a:round/>
+            </a:ln>
+            <a:effectLst/>
+          </c:spPr>
+          <c:marker>
+            <c:symbol val="circle"/>
+            <c:size val="5"/>
+            <c:spPr>
+              <a:solidFill>
+                <a:schemeClr val="accent1"/>
+              </a:solidFill>
+              <a:ln w="9525">
+                <a:solidFill>
+                  <a:schemeClr val="accent1"/>
+                </a:solidFill>
+              </a:ln>
+              <a:effectLst/>
+            </c:spPr>
+          </c:marker>
+          <c:xVal>
+            <c:numRef>
+              <c:f>Sheet1!$A$1:$A$8</c:f>
+              <c:numCache>
+                <c:formatCode>General</c:formatCode>
+                <c:ptCount val="8"/>
+                <c:pt idx="0">
+                  <c:v>0</c:v>
+                </c:pt>
+                <c:pt idx="1">
+                  <c:v>4</c:v>
+                </c:pt>
+                <c:pt idx="3">
+                  <c:v>0</c:v>
+                </c:pt>
+                <c:pt idx="4">
+                  <c:v>5</c:v>
+                </c:pt>
+                <c:pt idx="6">
+                  <c:v>2</c:v>
+                </c:pt>
+                <c:pt idx="7">
+                  <c:v>3</c:v>
+                </c:pt>
+              </c:numCache>
+            </c:numRef>
+          </c:xVal>
+          <c:yVal>
+            <c:numRef>
+              <c:f>Sheet1!$B$1:$B$8</c:f>
+              <c:numCache>
+                <c:formatCode>General</c:formatCode>
+                <c:ptCount val="8"/>
+                <c:pt idx="0">
+                  <c:v>0</c:v>
+                </c:pt>
+                <c:pt idx="1">
+                  <c:v>4</c:v>
+                </c:pt>
+                <c:pt idx="3">
+                  <c:v>0</c:v>
+                </c:pt>
+                <c:pt idx="4">
+                  <c:v>1</c:v>
+                </c:pt>
+                <c:pt idx="6">
+                  <c:v>3</c:v>
+                </c:pt>
+                <c:pt idx="7">
+                  <c:v>0</c:v>
+                </c:pt>
+              </c:numCache>
+            </c:numRef>
+          </c:yVal>
+          <c:smooth val="0"/>
+          <c:extLst>
+            <c:ext xmlns:c16="http://schemas.microsoft.com/office/drawing/2014/chart" uri="{C3380CC4-5D6E-409C-BE32-E72D297353CC}">
+              <c16:uniqueId val="{00000000-614A-8345-869C-17D9CFFD3B3B}"/>
+            </c:ext>
+          </c:extLst>
+        </c:ser>
+        <c:dLbls>
+          <c:showLegendKey val="0"/>
+          <c:showVal val="0"/>
+          <c:showCatName val="0"/>
+          <c:showSerName val="0"/>
+          <c:showPercent val="0"/>
+          <c:showBubbleSize val="0"/>
+        </c:dLbls>
+        <c:axId val="795109712"/>
+        <c:axId val="795111600"/>
+      </c:scatterChart>
+      <c:valAx>
+        <c:axId val="795109712"/>
+        <c:scaling>
+          <c:orientation val="minMax"/>
+          <c:max val="5"/>
+        </c:scaling>
+        <c:delete val="0"/>
+        <c:axPos val="b"/>
+        <c:majorGridlines>
+          <c:spPr>
+            <a:ln w="9525" cap="flat" cmpd="sng" algn="ctr">
+              <a:solidFill>
+                <a:schemeClr val="tx1">
+                  <a:lumMod val="15000"/>
+                  <a:lumOff val="85000"/>
+                </a:schemeClr>
+              </a:solidFill>
+              <a:round/>
+            </a:ln>
+            <a:effectLst/>
+          </c:spPr>
+        </c:majorGridlines>
+        <c:numFmt formatCode="General" sourceLinked="1"/>
+        <c:majorTickMark val="none"/>
+        <c:minorTickMark val="none"/>
+        <c:tickLblPos val="nextTo"/>
+        <c:spPr>
+          <a:noFill/>
+          <a:ln w="9525" cap="flat" cmpd="sng" algn="ctr">
+            <a:solidFill>
+              <a:schemeClr val="tx1">
+                <a:lumMod val="25000"/>
+                <a:lumOff val="75000"/>
+              </a:schemeClr>
+            </a:solidFill>
+            <a:round/>
+          </a:ln>
+          <a:effectLst/>
+        </c:spPr>
+        <c:txPr>
+          <a:bodyPr rot="-60000000" spcFirstLastPara="1" vertOverflow="ellipsis" vert="horz" wrap="square" anchor="ctr" anchorCtr="1"/>
+          <a:lstStyle/>
+          <a:p>
+            <a:pPr>
+              <a:defRPr sz="900" b="0" i="0" u="none" strike="noStrike" kern="1200" baseline="0">
+                <a:solidFill>
+                  <a:schemeClr val="tx1">
+                    <a:lumMod val="65000"/>
+                    <a:lumOff val="35000"/>
+                  </a:schemeClr>
+                </a:solidFill>
+                <a:latin typeface="+mn-lt"/>
+                <a:ea typeface="+mn-ea"/>
+                <a:cs typeface="+mn-cs"/>
+              </a:defRPr>
+            </a:pPr>
+            <a:endParaRPr lang="ja-JP"/>
+          </a:p>
+        </c:txPr>
+        <c:crossAx val="795111600"/>
+        <c:crosses val="autoZero"/>
+        <c:crossBetween val="midCat"/>
+      </c:valAx>
+      <c:valAx>
+        <c:axId val="795111600"/>
+        <c:scaling>
+          <c:orientation val="minMax"/>
+          <c:max val="5"/>
+        </c:scaling>
+        <c:delete val="0"/>
+        <c:axPos val="l"/>
+        <c:majorGridlines>
+          <c:spPr>
+            <a:ln w="9525" cap="flat" cmpd="sng" algn="ctr">
+              <a:solidFill>
+                <a:schemeClr val="tx1">
+                  <a:lumMod val="15000"/>
+                  <a:lumOff val="85000"/>
+                </a:schemeClr>
+              </a:solidFill>
+              <a:round/>
+            </a:ln>
+            <a:effectLst/>
+          </c:spPr>
+        </c:majorGridlines>
+        <c:numFmt formatCode="General" sourceLinked="1"/>
+        <c:majorTickMark val="none"/>
+        <c:minorTickMark val="none"/>
+        <c:tickLblPos val="nextTo"/>
+        <c:spPr>
+          <a:noFill/>
+          <a:ln w="9525" cap="flat" cmpd="sng" algn="ctr">
+            <a:solidFill>
+              <a:schemeClr val="tx1">
+                <a:lumMod val="25000"/>
+                <a:lumOff val="75000"/>
+              </a:schemeClr>
+            </a:solidFill>
+            <a:round/>
+          </a:ln>
+          <a:effectLst/>
+        </c:spPr>
+        <c:txPr>
+          <a:bodyPr rot="-60000000" spcFirstLastPara="1" vertOverflow="ellipsis" vert="horz" wrap="square" anchor="ctr" anchorCtr="1"/>
+          <a:lstStyle/>
+          <a:p>
+            <a:pPr>
+              <a:defRPr sz="900" b="0" i="0" u="none" strike="noStrike" kern="1200" baseline="0">
+                <a:solidFill>
+                  <a:schemeClr val="tx1">
+                    <a:lumMod val="65000"/>
+                    <a:lumOff val="35000"/>
+                  </a:schemeClr>
+                </a:solidFill>
+                <a:latin typeface="+mn-lt"/>
+                <a:ea typeface="+mn-ea"/>
+                <a:cs typeface="+mn-cs"/>
+              </a:defRPr>
+            </a:pPr>
+            <a:endParaRPr lang="ja-JP"/>
+          </a:p>
+        </c:txPr>
+        <c:crossAx val="795109712"/>
+        <c:crosses val="autoZero"/>
+        <c:crossBetween val="midCat"/>
+        <c:majorUnit val="1"/>
+      </c:valAx>
+      <c:spPr>
+        <a:noFill/>
+        <a:ln>
+          <a:noFill/>
+        </a:ln>
+        <a:effectLst/>
+      </c:spPr>
+    </c:plotArea>
+    <c:plotVisOnly val="1"/>
+    <c:dispBlanksAs val="gap"/>
+    <c:extLst>
+      <c:ext xmlns:c16r3="http://schemas.microsoft.com/office/drawing/2017/03/chart" uri="{56B9EC1D-385E-4148-901F-78D8002777C0}">
+        <c16r3:dataDisplayOptions16>
+          <c16r3:dispNaAsBlank val="1"/>
+        </c16r3:dataDisplayOptions16>
+      </c:ext>
+    </c:extLst>
+    <c:showDLblsOverMax val="0"/>
+  </c:chart>
+  <c:spPr>
+    <a:noFill/>
+    <a:ln>
+      <a:noFill/>
+    </a:ln>
+    <a:effectLst/>
+  </c:spPr>
+  <c:txPr>
+    <a:bodyPr/>
+    <a:lstStyle/>
+    <a:p>
+      <a:pPr>
+        <a:defRPr/>
+      </a:pPr>
+      <a:endParaRPr lang="ja-JP"/>
+    </a:p>
+  </c:txPr>
+  <c:externalData r:id="rId3">
+    <c:autoUpdate val="0"/>
+  </c:externalData>
+</c:chartSpace>
+</file>
+
+<file path=ppt/charts/colors1.xml><?xml version="1.0" encoding="utf-8"?>
+<cs:colorStyle xmlns:cs="http://schemas.microsoft.com/office/drawing/2012/chartStyle" xmlns:a="http://schemas.openxmlformats.org/drawingml/2006/main" meth="cycle" id="10">
+  <a:schemeClr val="accent1"/>
+  <a:schemeClr val="accent2"/>
+  <a:schemeClr val="accent3"/>
+  <a:schemeClr val="accent4"/>
+  <a:schemeClr val="accent5"/>
+  <a:schemeClr val="accent6"/>
+  <cs:variation/>
+  <cs:variation>
+    <a:lumMod val="60000"/>
+  </cs:variation>
+  <cs:variation>
+    <a:lumMod val="80000"/>
+    <a:lumOff val="20000"/>
+  </cs:variation>
+  <cs:variation>
+    <a:lumMod val="80000"/>
+  </cs:variation>
+  <cs:variation>
+    <a:lumMod val="60000"/>
+    <a:lumOff val="40000"/>
+  </cs:variation>
+  <cs:variation>
+    <a:lumMod val="50000"/>
+  </cs:variation>
+  <cs:variation>
+    <a:lumMod val="70000"/>
+    <a:lumOff val="30000"/>
+  </cs:variation>
+  <cs:variation>
+    <a:lumMod val="70000"/>
+  </cs:variation>
+  <cs:variation>
+    <a:lumMod val="50000"/>
+    <a:lumOff val="50000"/>
+  </cs:variation>
+</cs:colorStyle>
+</file>
+
+<file path=ppt/charts/style1.xml><?xml version="1.0" encoding="utf-8"?>
+<cs:chartStyle xmlns:cs="http://schemas.microsoft.com/office/drawing/2012/chartStyle" xmlns:a="http://schemas.openxmlformats.org/drawingml/2006/main" id="240">
+  <cs:axisTitle>
+    <cs:lnRef idx="0"/>
+    <cs:fillRef idx="0"/>
+    <cs:effectRef idx="0"/>
+    <cs:fontRef idx="minor">
+      <a:schemeClr val="tx1">
+        <a:lumMod val="65000"/>
+        <a:lumOff val="35000"/>
+      </a:schemeClr>
+    </cs:fontRef>
+    <cs:defRPr sz="1000" kern="1200"/>
+  </cs:axisTitle>
+  <cs:categoryAxis>
+    <cs:lnRef idx="0"/>
+    <cs:fillRef idx="0"/>
+    <cs:effectRef idx="0"/>
+    <cs:fontRef idx="minor">
+      <a:schemeClr val="tx1">
+        <a:lumMod val="65000"/>
+        <a:lumOff val="35000"/>
+      </a:schemeClr>
+    </cs:fontRef>
+    <cs:spPr>
+      <a:ln w="9525" cap="flat" cmpd="sng" algn="ctr">
+        <a:solidFill>
+          <a:schemeClr val="tx1">
+            <a:lumMod val="25000"/>
+            <a:lumOff val="75000"/>
+          </a:schemeClr>
+        </a:solidFill>
+        <a:round/>
+      </a:ln>
+    </cs:spPr>
+    <cs:defRPr sz="900" kern="1200"/>
+  </cs:categoryAxis>
+  <cs:chartArea mods="allowNoFillOverride allowNoLineOverride">
+    <cs:lnRef idx="0"/>
+    <cs:fillRef idx="0"/>
+    <cs:effectRef idx="0"/>
+    <cs:fontRef idx="minor">
+      <a:schemeClr val="tx1"/>
+    </cs:fontRef>
+    <cs:spPr>
+      <a:solidFill>
+        <a:schemeClr val="bg1"/>
+      </a:solidFill>
+      <a:ln w="9525" cap="flat" cmpd="sng" algn="ctr">
+        <a:solidFill>
+          <a:schemeClr val="tx1">
+            <a:lumMod val="15000"/>
+            <a:lumOff val="85000"/>
+          </a:schemeClr>
+        </a:solidFill>
+        <a:round/>
+      </a:ln>
+    </cs:spPr>
+    <cs:defRPr sz="1000" kern="1200"/>
+  </cs:chartArea>
+  <cs:dataLabel>
+    <cs:lnRef idx="0"/>
+    <cs:fillRef idx="0"/>
+    <cs:effectRef idx="0"/>
+    <cs:fontRef idx="minor">
+      <a:schemeClr val="tx1">
+        <a:lumMod val="75000"/>
+        <a:lumOff val="25000"/>
+      </a:schemeClr>
+    </cs:fontRef>
+    <cs:defRPr sz="900" kern="1200"/>
+  </cs:dataLabel>
+  <cs:dataLabelCallout>
+    <cs:lnRef idx="0"/>
+    <cs:fillRef idx="0"/>
+    <cs:effectRef idx="0"/>
+    <cs:fontRef idx="minor">
+      <a:schemeClr val="dk1">
+        <a:lumMod val="65000"/>
+        <a:lumOff val="35000"/>
+      </a:schemeClr>
+    </cs:fontRef>
+    <cs:spPr>
+      <a:solidFill>
+        <a:schemeClr val="lt1"/>
+      </a:solidFill>
+      <a:ln>
+        <a:solidFill>
+          <a:schemeClr val="dk1">
+            <a:lumMod val="25000"/>
+            <a:lumOff val="75000"/>
+          </a:schemeClr>
+        </a:solidFill>
+      </a:ln>
+    </cs:spPr>
+    <cs:defRPr sz="900" kern="1200"/>
+    <cs:bodyPr rot="0" spcFirstLastPara="1" vertOverflow="clip" horzOverflow="clip" vert="horz" wrap="square" lIns="36576" tIns="18288" rIns="36576" bIns="18288" anchor="ctr" anchorCtr="1">
+      <a:spAutoFit/>
+    </cs:bodyPr>
+  </cs:dataLabelCallout>
+  <cs:dataPoint>
+    <cs:lnRef idx="0"/>
+    <cs:fillRef idx="1">
+      <cs:styleClr val="auto"/>
+    </cs:fillRef>
+    <cs:effectRef idx="0"/>
+    <cs:fontRef idx="minor">
+      <a:schemeClr val="tx1"/>
+    </cs:fontRef>
+  </cs:dataPoint>
+  <cs:dataPoint3D>
+    <cs:lnRef idx="0"/>
+    <cs:fillRef idx="1">
+      <cs:styleClr val="auto"/>
+    </cs:fillRef>
+    <cs:effectRef idx="0"/>
+    <cs:fontRef idx="minor">
+      <a:schemeClr val="tx1"/>
+    </cs:fontRef>
+  </cs:dataPoint3D>
+  <cs:dataPointLine>
+    <cs:lnRef idx="0">
+      <cs:styleClr val="auto"/>
+    </cs:lnRef>
+    <cs:fillRef idx="1"/>
+    <cs:effectRef idx="0"/>
+    <cs:fontRef idx="minor">
+      <a:schemeClr val="tx1"/>
+    </cs:fontRef>
+    <cs:spPr>
+      <a:ln w="19050" cap="rnd">
+        <a:solidFill>
+          <a:schemeClr val="phClr"/>
+        </a:solidFill>
+        <a:round/>
+      </a:ln>
+    </cs:spPr>
+  </cs:dataPointLine>
+  <cs:dataPointMarker>
+    <cs:lnRef idx="0">
+      <cs:styleClr val="auto"/>
+    </cs:lnRef>
+    <cs:fillRef idx="1">
+      <cs:styleClr val="auto"/>
+    </cs:fillRef>
+    <cs:effectRef idx="0"/>
+    <cs:fontRef idx="minor">
+      <a:schemeClr val="tx1"/>
+    </cs:fontRef>
+    <cs:spPr>
+      <a:ln w="9525">
+        <a:solidFill>
+          <a:schemeClr val="phClr"/>
+        </a:solidFill>
+      </a:ln>
+    </cs:spPr>
+  </cs:dataPointMarker>
+  <cs:dataPointMarkerLayout symbol="circle" size="5"/>
+  <cs:dataPointWireframe>
+    <cs:lnRef idx="0">
+      <cs:styleClr val="auto"/>
+    </cs:lnRef>
+    <cs:fillRef idx="0"/>
+    <cs:effectRef idx="0"/>
+    <cs:fontRef idx="minor">
+      <a:schemeClr val="dk1"/>
+    </cs:fontRef>
+    <cs:spPr>
+      <a:ln w="9525" cap="rnd">
+        <a:solidFill>
+          <a:schemeClr val="phClr"/>
+        </a:solidFill>
+        <a:round/>
+      </a:ln>
+    </cs:spPr>
+  </cs:dataPointWireframe>
+  <cs:dataTable>
+    <cs:lnRef idx="0"/>
+    <cs:fillRef idx="0"/>
+    <cs:effectRef idx="0"/>
+    <cs:fontRef idx="minor">
+      <a:schemeClr val="tx1">
+        <a:lumMod val="65000"/>
+        <a:lumOff val="35000"/>
+      </a:schemeClr>
+    </cs:fontRef>
+    <cs:spPr>
+      <a:noFill/>
+      <a:ln w="9525" cap="flat" cmpd="sng" algn="ctr">
+        <a:solidFill>
+          <a:schemeClr val="tx1">
+            <a:lumMod val="15000"/>
+            <a:lumOff val="85000"/>
+          </a:schemeClr>
+        </a:solidFill>
+        <a:round/>
+      </a:ln>
+    </cs:spPr>
+    <cs:defRPr sz="900" kern="1200"/>
+  </cs:dataTable>
+  <cs:downBar>
+    <cs:lnRef idx="0"/>
+    <cs:fillRef idx="0"/>
+    <cs:effectRef idx="0"/>
+    <cs:fontRef idx="minor">
+      <a:schemeClr val="tx1"/>
+    </cs:fontRef>
+    <cs:spPr>
+      <a:solidFill>
+        <a:schemeClr val="dk1">
+          <a:lumMod val="75000"/>
+          <a:lumOff val="25000"/>
+        </a:schemeClr>
+      </a:solidFill>
+      <a:ln w="9525" cap="flat" cmpd="sng" algn="ctr">
+        <a:solidFill>
+          <a:schemeClr val="tx1">
+            <a:lumMod val="65000"/>
+            <a:lumOff val="35000"/>
+          </a:schemeClr>
+        </a:solidFill>
+        <a:round/>
+      </a:ln>
+    </cs:spPr>
+  </cs:downBar>
+  <cs:dropLine>
+    <cs:lnRef idx="0"/>
+    <cs:fillRef idx="0"/>
+    <cs:effectRef idx="0"/>
+    <cs:fontRef idx="minor">
+      <a:schemeClr val="tx1"/>
+    </cs:fontRef>
+    <cs:spPr>
+      <a:ln w="9525" cap="flat" cmpd="sng" algn="ctr">
+        <a:solidFill>
+          <a:schemeClr val="tx1">
+            <a:lumMod val="35000"/>
+            <a:lumOff val="65000"/>
+          </a:schemeClr>
+        </a:solidFill>
+        <a:round/>
+      </a:ln>
+    </cs:spPr>
+  </cs:dropLine>
+  <cs:errorBar>
+    <cs:lnRef idx="0"/>
+    <cs:fillRef idx="0"/>
+    <cs:effectRef idx="0"/>
+    <cs:fontRef idx="minor">
+      <a:schemeClr val="tx1"/>
+    </cs:fontRef>
+    <cs:spPr>
+      <a:ln w="9525" cap="flat" cmpd="sng" algn="ctr">
+        <a:solidFill>
+          <a:schemeClr val="tx1">
+            <a:lumMod val="65000"/>
+            <a:lumOff val="35000"/>
+          </a:schemeClr>
+        </a:solidFill>
+        <a:round/>
+      </a:ln>
+    </cs:spPr>
+  </cs:errorBar>
+  <cs:floor>
+    <cs:lnRef idx="0"/>
+    <cs:fillRef idx="0"/>
+    <cs:effectRef idx="0"/>
+    <cs:fontRef idx="minor">
+      <a:schemeClr val="tx1"/>
+    </cs:fontRef>
+    <cs:spPr>
+      <a:noFill/>
+      <a:ln>
+        <a:noFill/>
+      </a:ln>
+    </cs:spPr>
+  </cs:floor>
+  <cs:gridlineMajor>
+    <cs:lnRef idx="0"/>
+    <cs:fillRef idx="0"/>
+    <cs:effectRef idx="0"/>
+    <cs:fontRef idx="minor">
+      <a:schemeClr val="tx1"/>
+    </cs:fontRef>
+    <cs:spPr>
+      <a:ln w="9525" cap="flat" cmpd="sng" algn="ctr">
+        <a:solidFill>
+          <a:schemeClr val="tx1">
+            <a:lumMod val="15000"/>
+            <a:lumOff val="85000"/>
+          </a:schemeClr>
+        </a:solidFill>
+        <a:round/>
+      </a:ln>
+    </cs:spPr>
+  </cs:gridlineMajor>
+  <cs:gridlineMinor>
+    <cs:lnRef idx="0"/>
+    <cs:fillRef idx="0"/>
+    <cs:effectRef idx="0"/>
+    <cs:fontRef idx="minor">
+      <a:schemeClr val="tx1"/>
+    </cs:fontRef>
+    <cs:spPr>
+      <a:ln w="9525" cap="flat" cmpd="sng" algn="ctr">
+        <a:solidFill>
+          <a:schemeClr val="tx1">
+            <a:lumMod val="5000"/>
+            <a:lumOff val="95000"/>
+          </a:schemeClr>
+        </a:solidFill>
+        <a:round/>
+      </a:ln>
+    </cs:spPr>
+  </cs:gridlineMinor>
+  <cs:hiLoLine>
+    <cs:lnRef idx="0"/>
+    <cs:fillRef idx="0"/>
+    <cs:effectRef idx="0"/>
+    <cs:fontRef idx="minor">
+      <a:schemeClr val="tx1"/>
+    </cs:fontRef>
+    <cs:spPr>
+      <a:ln w="9525" cap="flat" cmpd="sng" algn="ctr">
+        <a:solidFill>
+          <a:schemeClr val="tx1">
+            <a:lumMod val="50000"/>
+            <a:lumOff val="50000"/>
+          </a:schemeClr>
+        </a:solidFill>
+        <a:round/>
+      </a:ln>
+    </cs:spPr>
+  </cs:hiLoLine>
+  <cs:leaderLine>
+    <cs:lnRef idx="0"/>
+    <cs:fillRef idx="0"/>
+    <cs:effectRef idx="0"/>
+    <cs:fontRef idx="minor">
+      <a:schemeClr val="tx1"/>
+    </cs:fontRef>
+    <cs:spPr>
+      <a:ln w="9525" cap="flat" cmpd="sng" algn="ctr">
+        <a:solidFill>
+          <a:schemeClr val="tx1">
+            <a:lumMod val="35000"/>
+            <a:lumOff val="65000"/>
+          </a:schemeClr>
+        </a:solidFill>
+        <a:round/>
+      </a:ln>
+    </cs:spPr>
+  </cs:leaderLine>
+  <cs:legend>
+    <cs:lnRef idx="0"/>
+    <cs:fillRef idx="0"/>
+    <cs:effectRef idx="0"/>
+    <cs:fontRef idx="minor">
+      <a:schemeClr val="tx1">
+        <a:lumMod val="65000"/>
+        <a:lumOff val="35000"/>
+      </a:schemeClr>
+    </cs:fontRef>
+    <cs:defRPr sz="900" kern="1200"/>
+  </cs:legend>
+  <cs:plotArea mods="allowNoFillOverride allowNoLineOverride">
+    <cs:lnRef idx="0"/>
+    <cs:fillRef idx="0"/>
+    <cs:effectRef idx="0"/>
+    <cs:fontRef idx="minor">
+      <a:schemeClr val="tx1"/>
+    </cs:fontRef>
+  </cs:plotArea>
+  <cs:plotArea3D mods="allowNoFillOverride allowNoLineOverride">
+    <cs:lnRef idx="0"/>
+    <cs:fillRef idx="0"/>
+    <cs:effectRef idx="0"/>
+    <cs:fontRef idx="minor">
+      <a:schemeClr val="tx1"/>
+    </cs:fontRef>
+  </cs:plotArea3D>
+  <cs:seriesAxis>
+    <cs:lnRef idx="0"/>
+    <cs:fillRef idx="0"/>
+    <cs:effectRef idx="0"/>
+    <cs:fontRef idx="minor">
+      <a:schemeClr val="tx1">
+        <a:lumMod val="65000"/>
+        <a:lumOff val="35000"/>
+      </a:schemeClr>
+    </cs:fontRef>
+    <cs:defRPr sz="900" kern="1200"/>
+  </cs:seriesAxis>
+  <cs:seriesLine>
+    <cs:lnRef idx="0"/>
+    <cs:fillRef idx="0"/>
+    <cs:effectRef idx="0"/>
+    <cs:fontRef idx="minor">
+      <a:schemeClr val="tx1"/>
+    </cs:fontRef>
+    <cs:spPr>
+      <a:ln w="9525" cap="flat" cmpd="sng" algn="ctr">
+        <a:solidFill>
+          <a:schemeClr val="tx1">
+            <a:lumMod val="35000"/>
+            <a:lumOff val="65000"/>
+          </a:schemeClr>
+        </a:solidFill>
+        <a:round/>
+      </a:ln>
+    </cs:spPr>
+  </cs:seriesLine>
+  <cs:title>
+    <cs:lnRef idx="0"/>
+    <cs:fillRef idx="0"/>
+    <cs:effectRef idx="0"/>
+    <cs:fontRef idx="minor">
+      <a:schemeClr val="tx1">
+        <a:lumMod val="65000"/>
+        <a:lumOff val="35000"/>
+      </a:schemeClr>
+    </cs:fontRef>
+    <cs:defRPr sz="1400" b="0" kern="1200" spc="0" baseline="0"/>
+  </cs:title>
+  <cs:trendline>
+    <cs:lnRef idx="0">
+      <cs:styleClr val="auto"/>
+    </cs:lnRef>
+    <cs:fillRef idx="0"/>
+    <cs:effectRef idx="0"/>
+    <cs:fontRef idx="minor">
+      <a:schemeClr val="tx1"/>
+    </cs:fontRef>
+    <cs:spPr>
+      <a:ln w="19050" cap="rnd">
+        <a:solidFill>
+          <a:schemeClr val="phClr"/>
+        </a:solidFill>
+        <a:prstDash val="sysDot"/>
+      </a:ln>
+    </cs:spPr>
+  </cs:trendline>
+  <cs:trendlineLabel>
+    <cs:lnRef idx="0"/>
+    <cs:fillRef idx="0"/>
+    <cs:effectRef idx="0"/>
+    <cs:fontRef idx="minor">
+      <a:schemeClr val="tx1">
+        <a:lumMod val="65000"/>
+        <a:lumOff val="35000"/>
+      </a:schemeClr>
+    </cs:fontRef>
+    <cs:defRPr sz="900" kern="1200"/>
+  </cs:trendlineLabel>
+  <cs:upBar>
+    <cs:lnRef idx="0"/>
+    <cs:fillRef idx="0"/>
+    <cs:effectRef idx="0"/>
+    <cs:fontRef idx="minor">
+      <a:schemeClr val="tx1"/>
+    </cs:fontRef>
+    <cs:spPr>
+      <a:solidFill>
+        <a:schemeClr val="lt1"/>
+      </a:solidFill>
+      <a:ln w="9525" cap="flat" cmpd="sng" algn="ctr">
+        <a:solidFill>
+          <a:schemeClr val="tx1">
+            <a:lumMod val="65000"/>
+            <a:lumOff val="35000"/>
+          </a:schemeClr>
+        </a:solidFill>
+        <a:round/>
+      </a:ln>
+    </cs:spPr>
+  </cs:upBar>
+  <cs:valueAxis>
+    <cs:lnRef idx="0"/>
+    <cs:fillRef idx="0"/>
+    <cs:effectRef idx="0"/>
+    <cs:fontRef idx="minor">
+      <a:schemeClr val="tx1">
+        <a:lumMod val="65000"/>
+        <a:lumOff val="35000"/>
+      </a:schemeClr>
+    </cs:fontRef>
+    <cs:spPr>
+      <a:ln w="9525" cap="flat" cmpd="sng" algn="ctr">
+        <a:solidFill>
+          <a:schemeClr val="tx1">
+            <a:lumMod val="25000"/>
+            <a:lumOff val="75000"/>
+          </a:schemeClr>
+        </a:solidFill>
+        <a:round/>
+      </a:ln>
+    </cs:spPr>
+    <cs:defRPr sz="900" kern="1200"/>
+  </cs:valueAxis>
+  <cs:wall>
+    <cs:lnRef idx="0"/>
+    <cs:fillRef idx="0"/>
+    <cs:effectRef idx="0"/>
+    <cs:fontRef idx="minor">
+      <a:schemeClr val="tx1"/>
+    </cs:fontRef>
+    <cs:spPr>
+      <a:noFill/>
+      <a:ln>
+        <a:noFill/>
+      </a:ln>
+    </cs:spPr>
+  </cs:wall>
+</cs:chartStyle>
 </file>
 
 <file path=ppt/notesMasters/notesMaster1.xml><?xml version="1.0" encoding="utf-8"?>
@@ -768,7 +1616,7 @@
           <a:effectLst/>
           <a:extLst>
             <a:ext uri="{91240B29-F687-4f45-9708-019B960494DF}">
-              <a14:hiddenLine xmlns:a14="http://schemas.microsoft.com/office/drawing/2010/main" xmlns="" w="9525">
+              <a14:hiddenLine xmlns="" xmlns:a14="http://schemas.microsoft.com/office/drawing/2010/main" w="9525">
                 <a:solidFill>
                   <a:srgbClr val="000000"/>
                 </a:solidFill>
@@ -961,7 +1809,7 @@
             <a:fld id="{08B9EBBA-996F-894A-B54A-D6246ED52CEA}" type="datetimeFigureOut">
               <a:rPr lang="en-US" dirty="0"/>
               <a:pPr/>
-              <a:t>6/11/19</a:t>
+              <a:t>6/12/19</a:t>
             </a:fld>
             <a:endParaRPr lang="en-US" dirty="0"/>
           </a:p>
@@ -1276,7 +2124,7 @@
             <a:fld id="{18C79C5D-2A6F-F04D-97DA-BEF2467B64E4}" type="datetimeFigureOut">
               <a:rPr lang="en-US" dirty="0"/>
               <a:pPr/>
-              <a:t>6/11/19</a:t>
+              <a:t>6/12/19</a:t>
             </a:fld>
             <a:endParaRPr lang="en-US" dirty="0"/>
           </a:p>
@@ -1761,7 +2609,7 @@
             <a:fld id="{8DFA1846-DA80-1C48-A609-854EA85C59AD}" type="datetimeFigureOut">
               <a:rPr lang="en-US" dirty="0"/>
               <a:pPr/>
-              <a:t>6/11/19</a:t>
+              <a:t>6/12/19</a:t>
             </a:fld>
             <a:endParaRPr lang="en-US" dirty="0"/>
           </a:p>
@@ -2127,7 +2975,7 @@
             <a:fld id="{FBF54567-0DE4-3F47-BF90-CB84690072F9}" type="datetimeFigureOut">
               <a:rPr lang="en-US" dirty="0"/>
               <a:pPr/>
-              <a:t>6/11/19</a:t>
+              <a:t>6/12/19</a:t>
             </a:fld>
             <a:endParaRPr lang="en-US" dirty="0"/>
           </a:p>
@@ -2278,7 +3126,7 @@
           <a:ln/>
           <a:extLst>
             <a:ext uri="{91240B29-F687-4f45-9708-019B960494DF}">
-              <a14:hiddenLine xmlns:a14="http://schemas.microsoft.com/office/drawing/2010/main" xmlns="" w="9525">
+              <a14:hiddenLine xmlns="" xmlns:a14="http://schemas.microsoft.com/office/drawing/2010/main" w="9525">
                 <a:solidFill>
                   <a:srgbClr val="000000"/>
                 </a:solidFill>
@@ -2429,7 +3277,7 @@
             <a:fld id="{C6C52C72-DE31-F449-A4ED-4C594FD91407}" type="datetimeFigureOut">
               <a:rPr lang="en-US" dirty="0"/>
               <a:pPr/>
-              <a:t>6/11/19</a:t>
+              <a:t>6/12/19</a:t>
             </a:fld>
             <a:endParaRPr lang="en-US" dirty="0"/>
           </a:p>
@@ -2582,7 +3430,7 @@
           <a:ln/>
           <a:extLst>
             <a:ext uri="{91240B29-F687-4f45-9708-019B960494DF}">
-              <a14:hiddenLine xmlns:a14="http://schemas.microsoft.com/office/drawing/2010/main" xmlns="" w="9525">
+              <a14:hiddenLine xmlns="" xmlns:a14="http://schemas.microsoft.com/office/drawing/2010/main" w="9525">
                 <a:solidFill>
                   <a:srgbClr val="000000"/>
                 </a:solidFill>
@@ -2743,7 +3591,7 @@
             <a:fld id="{ED62726E-379B-B349-9EED-81ED093FA806}" type="datetimeFigureOut">
               <a:rPr lang="en-US" dirty="0"/>
               <a:pPr/>
-              <a:t>6/11/19</a:t>
+              <a:t>6/12/19</a:t>
             </a:fld>
             <a:endParaRPr lang="en-US" dirty="0"/>
           </a:p>
@@ -2894,7 +3742,7 @@
           <a:ln/>
           <a:extLst>
             <a:ext uri="{91240B29-F687-4f45-9708-019B960494DF}">
-              <a14:hiddenLine xmlns:a14="http://schemas.microsoft.com/office/drawing/2010/main" xmlns="" w="9525">
+              <a14:hiddenLine xmlns="" xmlns:a14="http://schemas.microsoft.com/office/drawing/2010/main" w="9525">
                 <a:solidFill>
                   <a:srgbClr val="000000"/>
                 </a:solidFill>
@@ -3055,7 +3903,7 @@
             <a:fld id="{9B3A1323-8D79-1946-B0D7-40001CF92E9D}" type="datetimeFigureOut">
               <a:rPr lang="en-US" dirty="0"/>
               <a:pPr/>
-              <a:t>6/11/19</a:t>
+              <a:t>6/12/19</a:t>
             </a:fld>
             <a:endParaRPr lang="en-US" dirty="0"/>
           </a:p>
@@ -3395,7 +4243,7 @@
             <a:fld id="{8DFA1846-DA80-1C48-A609-854EA85C59AD}" type="datetimeFigureOut">
               <a:rPr lang="en-US" dirty="0"/>
               <a:pPr/>
-              <a:t>6/11/19</a:t>
+              <a:t>6/12/19</a:t>
             </a:fld>
             <a:endParaRPr lang="en-US" dirty="0"/>
           </a:p>
@@ -3546,7 +4394,7 @@
           <a:ln/>
           <a:extLst>
             <a:ext uri="{91240B29-F687-4f45-9708-019B960494DF}">
-              <a14:hiddenLine xmlns:a14="http://schemas.microsoft.com/office/drawing/2010/main" xmlns="" w="9525">
+              <a14:hiddenLine xmlns="" xmlns:a14="http://schemas.microsoft.com/office/drawing/2010/main" w="9525">
                 <a:solidFill>
                   <a:srgbClr val="000000"/>
                 </a:solidFill>
@@ -3795,7 +4643,7 @@
             <a:fld id="{57302355-E14B-8545-A8F8-0FE83CC9D524}" type="datetimeFigureOut">
               <a:rPr lang="en-US" dirty="0"/>
               <a:pPr/>
-              <a:t>6/11/19</a:t>
+              <a:t>6/12/19</a:t>
             </a:fld>
             <a:endParaRPr lang="en-US" dirty="0"/>
           </a:p>
@@ -3946,7 +4794,7 @@
           <a:ln/>
           <a:extLst>
             <a:ext uri="{91240B29-F687-4f45-9708-019B960494DF}">
-              <a14:hiddenLine xmlns:a14="http://schemas.microsoft.com/office/drawing/2010/main" xmlns="" w="9525">
+              <a14:hiddenLine xmlns="" xmlns:a14="http://schemas.microsoft.com/office/drawing/2010/main" w="9525">
                 <a:solidFill>
                   <a:srgbClr val="000000"/>
                 </a:solidFill>
@@ -4333,7 +5181,7 @@
             <a:fld id="{02640F58-564D-2B4F-AE67-E407BA4FCF45}" type="datetimeFigureOut">
               <a:rPr lang="en-US" dirty="0"/>
               <a:pPr/>
-              <a:t>6/11/19</a:t>
+              <a:t>6/12/19</a:t>
             </a:fld>
             <a:endParaRPr lang="en-US" dirty="0"/>
           </a:p>
@@ -4484,7 +5332,7 @@
           <a:ln/>
           <a:extLst>
             <a:ext uri="{91240B29-F687-4f45-9708-019B960494DF}">
-              <a14:hiddenLine xmlns:a14="http://schemas.microsoft.com/office/drawing/2010/main" xmlns="" w="9525">
+              <a14:hiddenLine xmlns="" xmlns:a14="http://schemas.microsoft.com/office/drawing/2010/main" w="9525">
                 <a:solidFill>
                   <a:srgbClr val="000000"/>
                 </a:solidFill>
@@ -4551,7 +5399,7 @@
             <a:fld id="{F13A34C8-038E-2045-AF43-DF7DBB8E0E9E}" type="datetimeFigureOut">
               <a:rPr lang="en-US" dirty="0"/>
               <a:pPr/>
-              <a:t>6/11/19</a:t>
+              <a:t>6/12/19</a:t>
             </a:fld>
             <a:endParaRPr lang="en-US" dirty="0"/>
           </a:p>
@@ -4643,7 +5491,7 @@
             <a:fld id="{8818C68F-D26B-8F47-958C-23B49CF8A634}" type="datetimeFigureOut">
               <a:rPr lang="en-US" dirty="0"/>
               <a:pPr/>
-              <a:t>6/11/19</a:t>
+              <a:t>6/12/19</a:t>
             </a:fld>
             <a:endParaRPr lang="en-US" dirty="0"/>
           </a:p>
@@ -4907,7 +5755,7 @@
           <a:ln/>
           <a:extLst>
             <a:ext uri="{91240B29-F687-4f45-9708-019B960494DF}">
-              <a14:hiddenLine xmlns:a14="http://schemas.microsoft.com/office/drawing/2010/main" xmlns="" w="9525">
+              <a14:hiddenLine xmlns="" xmlns:a14="http://schemas.microsoft.com/office/drawing/2010/main" w="9525">
                 <a:solidFill>
                   <a:srgbClr val="000000"/>
                 </a:solidFill>
@@ -5139,7 +5987,7 @@
             <a:fld id="{D0DF5E60-9974-AC48-9591-99C2BB44B7CF}" type="datetimeFigureOut">
               <a:rPr lang="en-US" dirty="0"/>
               <a:pPr/>
-              <a:t>6/11/19</a:t>
+              <a:t>6/12/19</a:t>
             </a:fld>
             <a:endParaRPr lang="en-US" dirty="0"/>
           </a:p>
@@ -5449,7 +6297,7 @@
             <a:fld id="{18C79C5D-2A6F-F04D-97DA-BEF2467B64E4}" type="datetimeFigureOut">
               <a:rPr lang="en-US" dirty="0"/>
               <a:pPr/>
-              <a:t>6/11/19</a:t>
+              <a:t>6/12/19</a:t>
             </a:fld>
             <a:endParaRPr lang="en-US" dirty="0"/>
           </a:p>
@@ -5748,7 +6596,7 @@
             <a:fld id="{09B482E8-6E0E-1B4F-B1FD-C69DB9E858D9}" type="datetimeFigureOut">
               <a:rPr lang="en-US" dirty="0"/>
               <a:pPr/>
-              <a:t>6/11/19</a:t>
+              <a:t>6/12/19</a:t>
             </a:fld>
             <a:endParaRPr lang="en-US" dirty="0"/>
           </a:p>
@@ -6277,8 +7125,13 @@
           <a:p>
             <a:r>
               <a:rPr kumimoji="1" lang="en-US" altLang="ja-JP" dirty="0"/>
-              <a:t>		     s1250139 Nagata Satomi</a:t>
-            </a:r>
+              <a:t>		     s1250139 </a:t>
+            </a:r>
+            <a:r>
+              <a:rPr lang="en-US" altLang="ja-JP" dirty="0"/>
+              <a:t>Satomi Nagata</a:t>
+            </a:r>
+            <a:endParaRPr kumimoji="1" lang="en-US" altLang="ja-JP" dirty="0"/>
           </a:p>
           <a:p>
             <a:r>
@@ -6335,7 +7188,12 @@
             <p:ph type="title"/>
           </p:nvPr>
         </p:nvSpPr>
-        <p:spPr/>
+        <p:spPr>
+          <a:xfrm>
+            <a:off x="-210725" y="457820"/>
+            <a:ext cx="10571998" cy="970450"/>
+          </a:xfrm>
+        </p:spPr>
         <p:txBody>
           <a:bodyPr/>
           <a:lstStyle/>
@@ -6368,30 +7226,137 @@
             <p:ph idx="1"/>
           </p:nvPr>
         </p:nvSpPr>
-        <p:spPr/>
+        <p:spPr>
+          <a:xfrm>
+            <a:off x="75421" y="2277622"/>
+            <a:ext cx="3356498" cy="3621922"/>
+          </a:xfrm>
+        </p:spPr>
         <p:txBody>
           <a:bodyPr/>
           <a:lstStyle/>
           <a:p>
             <a:r>
+              <a:rPr kumimoji="1" lang="ja-JP" altLang="en-US"/>
+              <a:t>データを格納する構造体</a:t>
+            </a:r>
+            <a:endParaRPr kumimoji="1" lang="en-US" altLang="ja-JP" dirty="0"/>
+          </a:p>
+          <a:p>
+            <a:r>
               <a:rPr kumimoji="1" lang="en-US" altLang="ja-JP" dirty="0"/>
               <a:t>Main</a:t>
             </a:r>
             <a:r>
               <a:rPr kumimoji="1" lang="ja-JP" altLang="en-US"/>
-              <a:t>の構造体を説明</a:t>
-            </a:r>
+              <a:t>で</a:t>
+            </a:r>
+            <a:r>
+              <a:rPr lang="ja-JP" altLang="en-US"/>
+              <a:t>関数を呼ぶ場所</a:t>
+            </a:r>
+            <a:endParaRPr lang="en-US" altLang="ja-JP" dirty="0"/>
+          </a:p>
+          <a:p>
+            <a:pPr marL="0" indent="0">
+              <a:buNone/>
+            </a:pPr>
             <a:endParaRPr kumimoji="1" lang="en-US" altLang="ja-JP" dirty="0"/>
           </a:p>
-          <a:p>
-            <a:pPr marL="0" indent="0">
-              <a:buNone/>
-            </a:pPr>
-            <a:r>
-              <a:rPr lang="ja-JP" altLang="en-US"/>
-              <a:t>関数が呼ばれる場所</a:t>
-            </a:r>
-            <a:endParaRPr kumimoji="1" lang="en-US" altLang="ja-JP" dirty="0"/>
+        </p:txBody>
+      </p:sp>
+      <p:pic>
+        <p:nvPicPr>
+          <p:cNvPr id="5" name="図 4">
+            <a:extLst>
+              <a:ext uri="{FF2B5EF4-FFF2-40B4-BE49-F238E27FC236}">
+                <a16:creationId xmlns:a16="http://schemas.microsoft.com/office/drawing/2014/main" id="{07663414-195F-E34F-81C8-16706F69643B}"/>
+              </a:ext>
+            </a:extLst>
+          </p:cNvPr>
+          <p:cNvPicPr>
+            <a:picLocks noChangeAspect="1"/>
+          </p:cNvPicPr>
+          <p:nvPr/>
+        </p:nvPicPr>
+        <p:blipFill>
+          <a:blip r:embed="rId2"/>
+          <a:stretch>
+            <a:fillRect/>
+          </a:stretch>
+        </p:blipFill>
+        <p:spPr>
+          <a:xfrm>
+            <a:off x="3179462" y="0"/>
+            <a:ext cx="3804699" cy="6858000"/>
+          </a:xfrm>
+          <a:prstGeom prst="rect">
+            <a:avLst/>
+          </a:prstGeom>
+        </p:spPr>
+      </p:pic>
+      <p:pic>
+        <p:nvPicPr>
+          <p:cNvPr id="7" name="図 6">
+            <a:extLst>
+              <a:ext uri="{FF2B5EF4-FFF2-40B4-BE49-F238E27FC236}">
+                <a16:creationId xmlns:a16="http://schemas.microsoft.com/office/drawing/2014/main" id="{315DD6A5-D8D4-7942-B079-099276BB3B5A}"/>
+              </a:ext>
+            </a:extLst>
+          </p:cNvPr>
+          <p:cNvPicPr>
+            <a:picLocks noChangeAspect="1"/>
+          </p:cNvPicPr>
+          <p:nvPr/>
+        </p:nvPicPr>
+        <p:blipFill>
+          <a:blip r:embed="rId3"/>
+          <a:stretch>
+            <a:fillRect/>
+          </a:stretch>
+        </p:blipFill>
+        <p:spPr>
+          <a:xfrm>
+            <a:off x="7052791" y="0"/>
+            <a:ext cx="5121551" cy="6858000"/>
+          </a:xfrm>
+          <a:prstGeom prst="rect">
+            <a:avLst/>
+          </a:prstGeom>
+        </p:spPr>
+      </p:pic>
+      <p:sp>
+        <p:nvSpPr>
+          <p:cNvPr id="8" name="テキスト ボックス 7">
+            <a:extLst>
+              <a:ext uri="{FF2B5EF4-FFF2-40B4-BE49-F238E27FC236}">
+                <a16:creationId xmlns:a16="http://schemas.microsoft.com/office/drawing/2014/main" id="{854A1D06-E7B6-9347-9CF2-2BE0A08FD1D7}"/>
+              </a:ext>
+            </a:extLst>
+          </p:cNvPr>
+          <p:cNvSpPr txBox="1"/>
+          <p:nvPr/>
+        </p:nvSpPr>
+        <p:spPr>
+          <a:xfrm>
+            <a:off x="10830434" y="6497060"/>
+            <a:ext cx="954107" cy="246221"/>
+          </a:xfrm>
+          <a:prstGeom prst="rect">
+            <a:avLst/>
+          </a:prstGeom>
+          <a:noFill/>
+        </p:spPr>
+        <p:txBody>
+          <a:bodyPr wrap="none" rtlCol="0">
+            <a:spAutoFit/>
+          </a:bodyPr>
+          <a:lstStyle/>
+          <a:p>
+            <a:r>
+              <a:rPr kumimoji="1" lang="ja-JP" altLang="en-US" sz="1000"/>
+              <a:t>（一部省略）</a:t>
+            </a:r>
           </a:p>
         </p:txBody>
       </p:sp>
@@ -6470,14 +7435,14 @@
             <p:ph idx="1"/>
             <p:extLst>
               <p:ext uri="{D42A27DB-BD31-4B8C-83A1-F6EECF244321}">
-                <p14:modId xmlns:p14="http://schemas.microsoft.com/office/powerpoint/2010/main" val="4101712744"/>
+                <p14:modId xmlns:p14="http://schemas.microsoft.com/office/powerpoint/2010/main" val="1602947505"/>
               </p:ext>
             </p:extLst>
           </p:nvPr>
         </p:nvGraphicFramePr>
         <p:xfrm>
-          <a:off x="1504885" y="2674018"/>
-          <a:ext cx="4591114" cy="1854200"/>
+          <a:off x="2217885" y="4311094"/>
+          <a:ext cx="4591114" cy="1849120"/>
         </p:xfrm>
         <a:graphic>
           <a:graphicData uri="http://schemas.openxmlformats.org/drawingml/2006/table">
@@ -6501,7 +7466,7 @@
                   </a:extLst>
                 </a:gridCol>
               </a:tblGrid>
-              <a:tr h="370840">
+              <a:tr h="0">
                 <a:tc>
                   <a:txBody>
                     <a:bodyPr/>
@@ -6509,7 +7474,7 @@
                     <a:p>
                       <a:r>
                         <a:rPr kumimoji="1" lang="ja-JP" altLang="en-US"/>
-                        <a:t>期待値（最短経路）</a:t>
+                        <a:t>最短経路</a:t>
                       </a:r>
                     </a:p>
                   </a:txBody>
@@ -6540,6 +7505,10 @@
                     <a:bodyPr/>
                     <a:lstStyle/>
                     <a:p>
+                      <a:r>
+                        <a:rPr kumimoji="1" lang="en-US" altLang="ja-JP" dirty="0"/>
+                        <a:t>5.09902</a:t>
+                      </a:r>
                       <a:endParaRPr kumimoji="1" lang="ja-JP" altLang="en-US"/>
                     </a:p>
                   </a:txBody>
@@ -6570,6 +7539,10 @@
                     <a:bodyPr/>
                     <a:lstStyle/>
                     <a:p>
+                      <a:r>
+                        <a:rPr kumimoji="1" lang="en-US" altLang="ja-JP" dirty="0"/>
+                        <a:t>NA</a:t>
+                      </a:r>
                       <a:endParaRPr kumimoji="1" lang="ja-JP" altLang="en-US"/>
                     </a:p>
                   </a:txBody>
@@ -6601,6 +7574,10 @@
                     <a:bodyPr/>
                     <a:lstStyle/>
                     <a:p>
+                      <a:r>
+                        <a:rPr kumimoji="1" lang="en-US" altLang="ja-JP" dirty="0"/>
+                        <a:t>3.28544</a:t>
+                      </a:r>
                       <a:endParaRPr kumimoji="1" lang="ja-JP" altLang="en-US"/>
                     </a:p>
                   </a:txBody>
@@ -6631,6 +7608,10 @@
                     <a:bodyPr/>
                     <a:lstStyle/>
                     <a:p>
+                      <a:r>
+                        <a:rPr kumimoji="1" lang="en-US" altLang="ja-JP" dirty="0"/>
+                        <a:t>3.16228</a:t>
+                      </a:r>
                       <a:endParaRPr kumimoji="1" lang="ja-JP" altLang="en-US"/>
                     </a:p>
                   </a:txBody>
@@ -6682,7 +7663,7 @@
         </p:blipFill>
         <p:spPr>
           <a:xfrm>
-            <a:off x="8877971" y="2674018"/>
+            <a:off x="552679" y="2780818"/>
             <a:ext cx="1122372" cy="3349849"/>
           </a:xfrm>
           <a:prstGeom prst="rect">
@@ -6704,7 +7685,7 @@
         </p:nvSpPr>
         <p:spPr>
           <a:xfrm>
-            <a:off x="8756919" y="2224008"/>
+            <a:off x="431627" y="2408674"/>
             <a:ext cx="1364476" cy="369332"/>
           </a:xfrm>
           <a:prstGeom prst="rect">
@@ -6726,6 +7707,286 @@
           </a:p>
         </p:txBody>
       </p:sp>
+      <p:graphicFrame>
+        <p:nvGraphicFramePr>
+          <p:cNvPr id="6" name="グラフ 5">
+            <a:extLst>
+              <a:ext uri="{FF2B5EF4-FFF2-40B4-BE49-F238E27FC236}">
+                <a16:creationId xmlns:a16="http://schemas.microsoft.com/office/drawing/2014/main" id="{56C06206-3E48-2A41-950A-AC0C2789F795}"/>
+              </a:ext>
+            </a:extLst>
+          </p:cNvPr>
+          <p:cNvGraphicFramePr>
+            <a:graphicFrameLocks/>
+          </p:cNvGraphicFramePr>
+          <p:nvPr>
+            <p:extLst>
+              <p:ext uri="{D42A27DB-BD31-4B8C-83A1-F6EECF244321}">
+                <p14:modId xmlns:p14="http://schemas.microsoft.com/office/powerpoint/2010/main" val="4277109405"/>
+              </p:ext>
+            </p:extLst>
+          </p:nvPr>
+        </p:nvGraphicFramePr>
+        <p:xfrm>
+          <a:off x="7109729" y="2593340"/>
+          <a:ext cx="4131903" cy="3998846"/>
+        </p:xfrm>
+        <a:graphic>
+          <a:graphicData uri="http://schemas.openxmlformats.org/drawingml/2006/chart">
+            <c:chart xmlns:c="http://schemas.openxmlformats.org/drawingml/2006/chart" xmlns:r="http://schemas.openxmlformats.org/officeDocument/2006/relationships" r:id="rId3"/>
+          </a:graphicData>
+        </a:graphic>
+      </p:graphicFrame>
+      <p:sp>
+        <p:nvSpPr>
+          <p:cNvPr id="3" name="テキスト ボックス 2">
+            <a:extLst>
+              <a:ext uri="{FF2B5EF4-FFF2-40B4-BE49-F238E27FC236}">
+                <a16:creationId xmlns:a16="http://schemas.microsoft.com/office/drawing/2014/main" id="{C6F30450-8E68-4544-98CF-E8D3F55A7F20}"/>
+              </a:ext>
+            </a:extLst>
+          </p:cNvPr>
+          <p:cNvSpPr txBox="1"/>
+          <p:nvPr/>
+        </p:nvSpPr>
+        <p:spPr>
+          <a:xfrm>
+            <a:off x="2217885" y="2408674"/>
+            <a:ext cx="877163" cy="369332"/>
+          </a:xfrm>
+          <a:prstGeom prst="rect">
+            <a:avLst/>
+          </a:prstGeom>
+          <a:noFill/>
+        </p:spPr>
+        <p:txBody>
+          <a:bodyPr wrap="none" rtlCol="0">
+            <a:spAutoFit/>
+          </a:bodyPr>
+          <a:lstStyle/>
+          <a:p>
+            <a:r>
+              <a:rPr kumimoji="1" lang="ja-JP" altLang="en-US"/>
+              <a:t>期待値</a:t>
+            </a:r>
+          </a:p>
+        </p:txBody>
+      </p:sp>
+      <p:graphicFrame>
+        <p:nvGraphicFramePr>
+          <p:cNvPr id="5" name="表 4">
+            <a:extLst>
+              <a:ext uri="{FF2B5EF4-FFF2-40B4-BE49-F238E27FC236}">
+                <a16:creationId xmlns:a16="http://schemas.microsoft.com/office/drawing/2014/main" id="{865517CB-D775-9F4A-942A-9D0AF6F0FC7D}"/>
+              </a:ext>
+            </a:extLst>
+          </p:cNvPr>
+          <p:cNvGraphicFramePr>
+            <a:graphicFrameLocks noGrp="1"/>
+          </p:cNvGraphicFramePr>
+          <p:nvPr>
+            <p:extLst>
+              <p:ext uri="{D42A27DB-BD31-4B8C-83A1-F6EECF244321}">
+                <p14:modId xmlns:p14="http://schemas.microsoft.com/office/powerpoint/2010/main" val="2440629117"/>
+              </p:ext>
+            </p:extLst>
+          </p:nvPr>
+        </p:nvGraphicFramePr>
+        <p:xfrm>
+          <a:off x="2217885" y="2943002"/>
+          <a:ext cx="4591114" cy="1097280"/>
+        </p:xfrm>
+        <a:graphic>
+          <a:graphicData uri="http://schemas.openxmlformats.org/drawingml/2006/table">
+            <a:tbl>
+              <a:tblPr firstRow="1" bandRow="1">
+                <a:tableStyleId>{5C22544A-7EE6-4342-B048-85BDC9FD1C3A}</a:tableStyleId>
+              </a:tblPr>
+              <a:tblGrid>
+                <a:gridCol w="2295557">
+                  <a:extLst>
+                    <a:ext uri="{9D8B030D-6E8A-4147-A177-3AD203B41FA5}">
+                      <a16:colId xmlns:a16="http://schemas.microsoft.com/office/drawing/2014/main" val="771722107"/>
+                    </a:ext>
+                  </a:extLst>
+                </a:gridCol>
+                <a:gridCol w="2295557">
+                  <a:extLst>
+                    <a:ext uri="{9D8B030D-6E8A-4147-A177-3AD203B41FA5}">
+                      <a16:colId xmlns:a16="http://schemas.microsoft.com/office/drawing/2014/main" val="2463322500"/>
+                    </a:ext>
+                  </a:extLst>
+                </a:gridCol>
+              </a:tblGrid>
+              <a:tr h="227503">
+                <a:tc>
+                  <a:txBody>
+                    <a:bodyPr/>
+                    <a:lstStyle/>
+                    <a:p>
+                      <a:r>
+                        <a:rPr kumimoji="1" lang="ja-JP" altLang="en-US"/>
+                        <a:t>交差点のｘ座標</a:t>
+                      </a:r>
+                    </a:p>
+                  </a:txBody>
+                  <a:tcPr/>
+                </a:tc>
+                <a:tc>
+                  <a:txBody>
+                    <a:bodyPr/>
+                    <a:lstStyle/>
+                    <a:p>
+                      <a:r>
+                        <a:rPr kumimoji="1" lang="ja-JP" altLang="en-US"/>
+                        <a:t>交差点のｙ座標</a:t>
+                      </a:r>
+                    </a:p>
+                  </a:txBody>
+                  <a:tcPr/>
+                </a:tc>
+                <a:extLst>
+                  <a:ext uri="{0D108BD9-81ED-4DB2-BD59-A6C34878D82A}">
+                    <a16:rowId xmlns:a16="http://schemas.microsoft.com/office/drawing/2014/main" val="2494038003"/>
+                  </a:ext>
+                </a:extLst>
+              </a:tr>
+              <a:tr h="230663">
+                <a:tc>
+                  <a:txBody>
+                    <a:bodyPr/>
+                    <a:lstStyle/>
+                    <a:p>
+                      <a:r>
+                        <a:rPr kumimoji="1" lang="en-US" altLang="ja-JP" sz="1800" kern="1200" dirty="0">
+                          <a:solidFill>
+                            <a:schemeClr val="dk1"/>
+                          </a:solidFill>
+                          <a:effectLst/>
+                          <a:latin typeface="+mn-lt"/>
+                          <a:ea typeface="+mn-ea"/>
+                          <a:cs typeface="+mn-cs"/>
+                        </a:rPr>
+                        <a:t>2.25000</a:t>
+                      </a:r>
+                    </a:p>
+                  </a:txBody>
+                  <a:tcPr/>
+                </a:tc>
+                <a:tc>
+                  <a:txBody>
+                    <a:bodyPr/>
+                    <a:lstStyle/>
+                    <a:p>
+                      <a:r>
+                        <a:rPr kumimoji="1" lang="en-US" altLang="ja-JP" sz="1800" kern="1200" dirty="0">
+                          <a:solidFill>
+                            <a:schemeClr val="dk1"/>
+                          </a:solidFill>
+                          <a:effectLst/>
+                          <a:latin typeface="+mn-lt"/>
+                          <a:ea typeface="+mn-ea"/>
+                          <a:cs typeface="+mn-cs"/>
+                        </a:rPr>
+                        <a:t>2.25000</a:t>
+                      </a:r>
+                    </a:p>
+                  </a:txBody>
+                  <a:tcPr/>
+                </a:tc>
+                <a:extLst>
+                  <a:ext uri="{0D108BD9-81ED-4DB2-BD59-A6C34878D82A}">
+                    <a16:rowId xmlns:a16="http://schemas.microsoft.com/office/drawing/2014/main" val="273339866"/>
+                  </a:ext>
+                </a:extLst>
+              </a:tr>
+              <a:tr h="230663">
+                <a:tc>
+                  <a:txBody>
+                    <a:bodyPr/>
+                    <a:lstStyle/>
+                    <a:p>
+                      <a:pPr marL="0" marR="0" lvl="0" indent="0" algn="l" defTabSz="457200" rtl="0" eaLnBrk="1" fontAlgn="auto" latinLnBrk="0" hangingPunct="1">
+                        <a:lnSpc>
+                          <a:spcPct val="100000"/>
+                        </a:lnSpc>
+                        <a:spcBef>
+                          <a:spcPts val="0"/>
+                        </a:spcBef>
+                        <a:spcAft>
+                          <a:spcPts val="0"/>
+                        </a:spcAft>
+                        <a:buClrTx/>
+                        <a:buSzTx/>
+                        <a:buFontTx/>
+                        <a:buNone/>
+                        <a:tabLst/>
+                        <a:defRPr/>
+                      </a:pPr>
+                      <a:r>
+                        <a:rPr kumimoji="1" lang="en-US" altLang="ja-JP" sz="1800" kern="1200" dirty="0">
+                          <a:solidFill>
+                            <a:schemeClr val="dk1"/>
+                          </a:solidFill>
+                          <a:effectLst/>
+                          <a:latin typeface="+mn-lt"/>
+                          <a:ea typeface="+mn-ea"/>
+                          <a:cs typeface="+mn-cs"/>
+                        </a:rPr>
+                        <a:t>2.81250</a:t>
+                      </a:r>
+                    </a:p>
+                  </a:txBody>
+                  <a:tcPr/>
+                </a:tc>
+                <a:tc>
+                  <a:txBody>
+                    <a:bodyPr/>
+                    <a:lstStyle/>
+                    <a:p>
+                      <a:pPr marL="0" marR="0" lvl="0" indent="0" algn="l" defTabSz="457200" rtl="0" eaLnBrk="1" fontAlgn="auto" latinLnBrk="0" hangingPunct="1">
+                        <a:lnSpc>
+                          <a:spcPct val="100000"/>
+                        </a:lnSpc>
+                        <a:spcBef>
+                          <a:spcPts val="0"/>
+                        </a:spcBef>
+                        <a:spcAft>
+                          <a:spcPts val="0"/>
+                        </a:spcAft>
+                        <a:buClrTx/>
+                        <a:buSzTx/>
+                        <a:buFontTx/>
+                        <a:buNone/>
+                        <a:tabLst/>
+                        <a:defRPr/>
+                      </a:pPr>
+                      <a:r>
+                        <a:rPr kumimoji="1" lang="en-US" altLang="ja-JP" sz="1800" kern="1200" dirty="0">
+                          <a:solidFill>
+                            <a:schemeClr val="dk1"/>
+                          </a:solidFill>
+                          <a:effectLst/>
+                          <a:latin typeface="+mn-lt"/>
+                          <a:ea typeface="+mn-ea"/>
+                          <a:cs typeface="+mn-cs"/>
+                        </a:rPr>
+                        <a:t>0.56250</a:t>
+                      </a:r>
+                    </a:p>
+                  </a:txBody>
+                  <a:tcPr/>
+                </a:tc>
+                <a:extLst>
+                  <a:ext uri="{0D108BD9-81ED-4DB2-BD59-A6C34878D82A}">
+                    <a16:rowId xmlns:a16="http://schemas.microsoft.com/office/drawing/2014/main" val="2766677011"/>
+                  </a:ext>
+                </a:extLst>
+              </a:tr>
+            </a:tbl>
+          </a:graphicData>
+        </a:graphic>
+      </p:graphicFrame>
     </p:spTree>
     <p:extLst>
       <p:ext uri="{BB962C8B-B14F-4D97-AF65-F5344CB8AC3E}">
@@ -6761,7 +8022,7 @@
           <p:cNvPr id="2" name="タイトル 1">
             <a:extLst>
               <a:ext uri="{FF2B5EF4-FFF2-40B4-BE49-F238E27FC236}">
-                <a16:creationId xmlns:a16="http://schemas.microsoft.com/office/drawing/2014/main" id="{D60ECB01-D963-444C-AD67-6A512F4A92D5}"/>
+                <a16:creationId xmlns:a16="http://schemas.microsoft.com/office/drawing/2014/main" id="{53A68189-774A-8D47-ADE4-2F3875A7512F}"/>
               </a:ext>
             </a:extLst>
           </p:cNvPr>
@@ -6769,7 +8030,7 @@
             <a:spLocks noGrp="1"/>
           </p:cNvSpPr>
           <p:nvPr>
-            <p:ph type="title"/>
+            <p:ph type="ctrTitle"/>
           </p:nvPr>
         </p:nvSpPr>
         <p:spPr/>
@@ -6778,19 +8039,18 @@
           <a:lstStyle/>
           <a:p>
             <a:r>
-              <a:rPr lang="ja-JP" altLang="en-US"/>
-              <a:t>データ生成器・検証器</a:t>
-            </a:r>
-            <a:endParaRPr kumimoji="1" lang="ja-JP" altLang="en-US"/>
-          </a:p>
-        </p:txBody>
-      </p:sp>
-      <p:sp>
-        <p:nvSpPr>
-          <p:cNvPr id="3" name="コンテンツ プレースホルダー 2">
+              <a:rPr kumimoji="1" lang="ja-JP" altLang="en-US"/>
+              <a:t>デモンストレーション</a:t>
+            </a:r>
+          </a:p>
+        </p:txBody>
+      </p:sp>
+      <p:sp>
+        <p:nvSpPr>
+          <p:cNvPr id="3" name="字幕 2">
             <a:extLst>
               <a:ext uri="{FF2B5EF4-FFF2-40B4-BE49-F238E27FC236}">
-                <a16:creationId xmlns:a16="http://schemas.microsoft.com/office/drawing/2014/main" id="{9BD71142-43FF-5B42-A2A2-455FD591E9FA}"/>
+                <a16:creationId xmlns:a16="http://schemas.microsoft.com/office/drawing/2014/main" id="{CA7C358E-FC0A-8F4A-8D87-A42112649AC0}"/>
               </a:ext>
             </a:extLst>
           </p:cNvPr>
@@ -6798,7 +8058,7 @@
             <a:spLocks noGrp="1"/>
           </p:cNvSpPr>
           <p:nvPr>
-            <p:ph idx="1"/>
+            <p:ph type="subTitle" idx="1"/>
           </p:nvPr>
         </p:nvSpPr>
         <p:spPr/>
@@ -6813,7 +8073,7 @@
     </p:spTree>
     <p:extLst>
       <p:ext uri="{BB962C8B-B14F-4D97-AF65-F5344CB8AC3E}">
-        <p14:creationId xmlns:p14="http://schemas.microsoft.com/office/powerpoint/2010/main" val="3357832100"/>
+        <p14:creationId xmlns:p14="http://schemas.microsoft.com/office/powerpoint/2010/main" val="1662924399"/>
       </p:ext>
     </p:extLst>
   </p:cSld>
@@ -6845,89 +8105,6 @@
           <p:cNvPr id="2" name="タイトル 1">
             <a:extLst>
               <a:ext uri="{FF2B5EF4-FFF2-40B4-BE49-F238E27FC236}">
-                <a16:creationId xmlns:a16="http://schemas.microsoft.com/office/drawing/2014/main" id="{53A68189-774A-8D47-ADE4-2F3875A7512F}"/>
-              </a:ext>
-            </a:extLst>
-          </p:cNvPr>
-          <p:cNvSpPr>
-            <a:spLocks noGrp="1"/>
-          </p:cNvSpPr>
-          <p:nvPr>
-            <p:ph type="ctrTitle"/>
-          </p:nvPr>
-        </p:nvSpPr>
-        <p:spPr/>
-        <p:txBody>
-          <a:bodyPr/>
-          <a:lstStyle/>
-          <a:p>
-            <a:r>
-              <a:rPr kumimoji="1" lang="ja-JP" altLang="en-US"/>
-              <a:t>デモンストレーション</a:t>
-            </a:r>
-          </a:p>
-        </p:txBody>
-      </p:sp>
-      <p:sp>
-        <p:nvSpPr>
-          <p:cNvPr id="3" name="字幕 2">
-            <a:extLst>
-              <a:ext uri="{FF2B5EF4-FFF2-40B4-BE49-F238E27FC236}">
-                <a16:creationId xmlns:a16="http://schemas.microsoft.com/office/drawing/2014/main" id="{CA7C358E-FC0A-8F4A-8D87-A42112649AC0}"/>
-              </a:ext>
-            </a:extLst>
-          </p:cNvPr>
-          <p:cNvSpPr>
-            <a:spLocks noGrp="1"/>
-          </p:cNvSpPr>
-          <p:nvPr>
-            <p:ph type="subTitle" idx="1"/>
-          </p:nvPr>
-        </p:nvSpPr>
-        <p:spPr/>
-        <p:txBody>
-          <a:bodyPr/>
-          <a:lstStyle/>
-          <a:p>
-            <a:endParaRPr kumimoji="1" lang="ja-JP" altLang="en-US"/>
-          </a:p>
-        </p:txBody>
-      </p:sp>
-    </p:spTree>
-    <p:extLst>
-      <p:ext uri="{BB962C8B-B14F-4D97-AF65-F5344CB8AC3E}">
-        <p14:creationId xmlns:p14="http://schemas.microsoft.com/office/powerpoint/2010/main" val="1662924399"/>
-      </p:ext>
-    </p:extLst>
-  </p:cSld>
-  <p:clrMapOvr>
-    <a:masterClrMapping/>
-  </p:clrMapOvr>
-</p:sld>
-</file>
-
-<file path=ppt/slides/slide14.xml><?xml version="1.0" encoding="utf-8"?>
-<p:sld xmlns:a="http://schemas.openxmlformats.org/drawingml/2006/main" xmlns:r="http://schemas.openxmlformats.org/officeDocument/2006/relationships" xmlns:p="http://schemas.openxmlformats.org/presentationml/2006/main">
-  <p:cSld>
-    <p:spTree>
-      <p:nvGrpSpPr>
-        <p:cNvPr id="1" name=""/>
-        <p:cNvGrpSpPr/>
-        <p:nvPr/>
-      </p:nvGrpSpPr>
-      <p:grpSpPr>
-        <a:xfrm>
-          <a:off x="0" y="0"/>
-          <a:ext cx="0" cy="0"/>
-          <a:chOff x="0" y="0"/>
-          <a:chExt cx="0" cy="0"/>
-        </a:xfrm>
-      </p:grpSpPr>
-      <p:sp>
-        <p:nvSpPr>
-          <p:cNvPr id="2" name="タイトル 1">
-            <a:extLst>
-              <a:ext uri="{FF2B5EF4-FFF2-40B4-BE49-F238E27FC236}">
                 <a16:creationId xmlns:a16="http://schemas.microsoft.com/office/drawing/2014/main" id="{88AC4F0E-895B-3D43-8BBC-8CB97A09231D}"/>
               </a:ext>
             </a:extLst>
@@ -7124,7 +8301,7 @@
 </p:sld>
 </file>
 
-<file path=ppt/slides/slide15.xml><?xml version="1.0" encoding="utf-8"?>
+<file path=ppt/slides/slide14.xml><?xml version="1.0" encoding="utf-8"?>
 <p:sld xmlns:a="http://schemas.openxmlformats.org/drawingml/2006/main" xmlns:r="http://schemas.openxmlformats.org/officeDocument/2006/relationships" xmlns:p="http://schemas.openxmlformats.org/presentationml/2006/main">
   <p:cSld>
     <p:spTree>
@@ -7323,11 +8500,11 @@
               <a:buNone/>
             </a:pPr>
             <a:r>
-              <a:rPr lang="ja-JP" altLang="en-US"/>
+              <a:rPr lang="ja-JP" altLang="en-US" sz="2400"/>
               <a:t>開発プラッットフォーム：</a:t>
             </a:r>
             <a:r>
-              <a:rPr kumimoji="1" lang="en-US" altLang="ja-JP" dirty="0"/>
+              <a:rPr kumimoji="1" lang="en-US" altLang="ja-JP" sz="2400" dirty="0"/>
               <a:t>Mac</a:t>
             </a:r>
           </a:p>
@@ -7336,11 +8513,11 @@
               <a:buNone/>
             </a:pPr>
             <a:r>
-              <a:rPr lang="ja-JP" altLang="en-US"/>
+              <a:rPr lang="ja-JP" altLang="en-US" sz="2400"/>
               <a:t>プログラミング言語：</a:t>
             </a:r>
             <a:r>
-              <a:rPr lang="en-US" altLang="ja-JP" dirty="0"/>
+              <a:rPr lang="en-US" altLang="ja-JP" sz="2400" dirty="0"/>
               <a:t>C++</a:t>
             </a:r>
           </a:p>
@@ -7535,7 +8712,7 @@
             </a:r>
             <a:r>
               <a:rPr lang="ja-JP" altLang="en-US" sz="2800"/>
-              <a:t>クラス図等による概要 </a:t>
+              <a:t>フローチャート図による概要 </a:t>
             </a:r>
             <a:endParaRPr lang="en-US" altLang="ja-JP" sz="2800" dirty="0"/>
           </a:p>
@@ -7556,13 +8733,6 @@
               <a:t>作成したテストデータ </a:t>
             </a:r>
             <a:endParaRPr lang="en-US" altLang="ja-JP" sz="2800" dirty="0"/>
-          </a:p>
-          <a:p>
-            <a:r>
-              <a:rPr lang="ja-JP" altLang="en-US" sz="2800"/>
-              <a:t>データ生成器・検証器</a:t>
-            </a:r>
-            <a:endParaRPr kumimoji="1" lang="ja-JP" altLang="en-US" sz="2800"/>
           </a:p>
         </p:txBody>
       </p:sp>

--- a/ソフトウェア総合演習.pptx
+++ b/ソフトウェア総合演習.pptx
@@ -8147,8 +8147,8 @@
         </p:nvSpPr>
         <p:spPr>
           <a:xfrm>
-            <a:off x="818712" y="2222287"/>
-            <a:ext cx="10554574" cy="4788113"/>
+            <a:off x="404042" y="3136605"/>
+            <a:ext cx="4199855" cy="2300177"/>
           </a:xfrm>
         </p:spPr>
         <p:txBody>
@@ -8189,23 +8189,277 @@
             </a:pPr>
             <a:r>
               <a:rPr kumimoji="1" lang="ja-JP" altLang="en-US"/>
-              <a:t>役割分担</a:t>
+              <a:t>役割分担決め</a:t>
             </a:r>
             <a:endParaRPr kumimoji="1" lang="en-US" altLang="ja-JP" dirty="0"/>
           </a:p>
           <a:p>
-            <a:r>
-              <a:rPr kumimoji="1" lang="en-US" altLang="ja-JP" dirty="0"/>
+            <a:pPr marL="0" indent="0">
+              <a:buNone/>
+            </a:pPr>
+            <a:r>
+              <a:rPr kumimoji="1" lang="ja-JP" altLang="en-US"/>
+              <a:t>アルゴリズムを考える</a:t>
+            </a:r>
+            <a:endParaRPr kumimoji="1" lang="en-US" altLang="ja-JP" dirty="0"/>
+          </a:p>
+          <a:p>
+            <a:pPr marL="0" indent="0">
+              <a:buNone/>
+            </a:pPr>
+            <a:r>
+              <a:rPr kumimoji="1" lang="ja-JP" altLang="en-US"/>
+              <a:t>デバッグ</a:t>
+            </a:r>
+            <a:endParaRPr kumimoji="1" lang="en-US" altLang="ja-JP" dirty="0"/>
+          </a:p>
+          <a:p>
+            <a:pPr marL="0" indent="0">
+              <a:buNone/>
+            </a:pPr>
+            <a:endParaRPr lang="en-US" altLang="ja-JP" dirty="0"/>
+          </a:p>
+        </p:txBody>
+      </p:sp>
+      <p:sp>
+        <p:nvSpPr>
+          <p:cNvPr id="6" name="コンテンツ プレースホルダー 2">
+            <a:extLst>
+              <a:ext uri="{FF2B5EF4-FFF2-40B4-BE49-F238E27FC236}">
+                <a16:creationId xmlns:a16="http://schemas.microsoft.com/office/drawing/2014/main" id="{7EBF6E87-1A09-434C-8C33-6641F822EA27}"/>
+              </a:ext>
+            </a:extLst>
+          </p:cNvPr>
+          <p:cNvSpPr txBox="1">
+            <a:spLocks/>
+          </p:cNvSpPr>
+          <p:nvPr/>
+        </p:nvSpPr>
+        <p:spPr>
+          <a:xfrm>
+            <a:off x="4944139" y="2069887"/>
+            <a:ext cx="4199855" cy="4788113"/>
+          </a:xfrm>
+          <a:prstGeom prst="rect">
+            <a:avLst/>
+          </a:prstGeom>
+          <a:effectLst>
+            <a:outerShdw blurRad="50800" dir="14400000">
+              <a:srgbClr val="000000">
+                <a:alpha val="40000"/>
+              </a:srgbClr>
+            </a:outerShdw>
+          </a:effectLst>
+        </p:spPr>
+        <p:txBody>
+          <a:bodyPr vert="horz" lIns="91440" tIns="45720" rIns="91440" bIns="45720" rtlCol="0" anchor="ctr">
+            <a:normAutofit/>
+          </a:bodyPr>
+          <a:lstStyle>
+            <a:lvl1pPr marL="342900" indent="-342900" algn="l" defTabSz="457200" rtl="0" eaLnBrk="1" latinLnBrk="0" hangingPunct="1">
+              <a:spcBef>
+                <a:spcPct val="20000"/>
+              </a:spcBef>
+              <a:spcAft>
+                <a:spcPts val="600"/>
+              </a:spcAft>
+              <a:buClr>
+                <a:schemeClr val="accent1"/>
+              </a:buClr>
+              <a:buFont typeface="Wingdings 2" charset="2"/>
+              <a:buChar char=""/>
+              <a:defRPr kumimoji="1" sz="1800" kern="1200">
+                <a:solidFill>
+                  <a:schemeClr val="tx1"/>
+                </a:solidFill>
+                <a:latin typeface="+mn-lt"/>
+                <a:ea typeface="+mn-ea"/>
+                <a:cs typeface="+mn-cs"/>
+              </a:defRPr>
+            </a:lvl1pPr>
+            <a:lvl2pPr marL="742950" indent="-285750" algn="l" defTabSz="457200" rtl="0" eaLnBrk="1" latinLnBrk="0" hangingPunct="1">
+              <a:spcBef>
+                <a:spcPct val="20000"/>
+              </a:spcBef>
+              <a:spcAft>
+                <a:spcPts val="600"/>
+              </a:spcAft>
+              <a:buClr>
+                <a:schemeClr val="accent1"/>
+              </a:buClr>
+              <a:buFont typeface="Wingdings 2" charset="2"/>
+              <a:buChar char=""/>
+              <a:defRPr kumimoji="1" sz="1600" kern="1200">
+                <a:solidFill>
+                  <a:schemeClr val="tx1"/>
+                </a:solidFill>
+                <a:latin typeface="+mn-lt"/>
+                <a:ea typeface="+mn-ea"/>
+                <a:cs typeface="+mn-cs"/>
+              </a:defRPr>
+            </a:lvl2pPr>
+            <a:lvl3pPr marL="1143000" indent="-228600" algn="l" defTabSz="457200" rtl="0" eaLnBrk="1" latinLnBrk="0" hangingPunct="1">
+              <a:spcBef>
+                <a:spcPct val="20000"/>
+              </a:spcBef>
+              <a:spcAft>
+                <a:spcPts val="600"/>
+              </a:spcAft>
+              <a:buClr>
+                <a:schemeClr val="accent1"/>
+              </a:buClr>
+              <a:buFont typeface="Wingdings 2" charset="2"/>
+              <a:buChar char=""/>
+              <a:defRPr kumimoji="1" sz="1400" kern="1200">
+                <a:solidFill>
+                  <a:schemeClr val="tx1"/>
+                </a:solidFill>
+                <a:latin typeface="+mn-lt"/>
+                <a:ea typeface="+mn-ea"/>
+                <a:cs typeface="+mn-cs"/>
+              </a:defRPr>
+            </a:lvl3pPr>
+            <a:lvl4pPr marL="1600200" indent="-228600" algn="l" defTabSz="457200" rtl="0" eaLnBrk="1" latinLnBrk="0" hangingPunct="1">
+              <a:spcBef>
+                <a:spcPct val="20000"/>
+              </a:spcBef>
+              <a:spcAft>
+                <a:spcPts val="600"/>
+              </a:spcAft>
+              <a:buClr>
+                <a:schemeClr val="accent1"/>
+              </a:buClr>
+              <a:buFont typeface="Wingdings 2" charset="2"/>
+              <a:buChar char=""/>
+              <a:defRPr kumimoji="1" sz="1200" kern="1200">
+                <a:solidFill>
+                  <a:schemeClr val="tx1"/>
+                </a:solidFill>
+                <a:latin typeface="+mn-lt"/>
+                <a:ea typeface="+mn-ea"/>
+                <a:cs typeface="+mn-cs"/>
+              </a:defRPr>
+            </a:lvl4pPr>
+            <a:lvl5pPr marL="2057400" indent="-228600" algn="l" defTabSz="457200" rtl="0" eaLnBrk="1" latinLnBrk="0" hangingPunct="1">
+              <a:spcBef>
+                <a:spcPct val="20000"/>
+              </a:spcBef>
+              <a:spcAft>
+                <a:spcPts val="600"/>
+              </a:spcAft>
+              <a:buClr>
+                <a:schemeClr val="accent1"/>
+              </a:buClr>
+              <a:buFont typeface="Wingdings 2" charset="2"/>
+              <a:buChar char=""/>
+              <a:defRPr kumimoji="1" sz="1200" kern="1200">
+                <a:solidFill>
+                  <a:schemeClr val="tx1"/>
+                </a:solidFill>
+                <a:latin typeface="+mn-lt"/>
+                <a:ea typeface="+mn-ea"/>
+                <a:cs typeface="+mn-cs"/>
+              </a:defRPr>
+            </a:lvl5pPr>
+            <a:lvl6pPr marL="2400000" indent="-228600" algn="l" defTabSz="457200" rtl="0" eaLnBrk="1" latinLnBrk="0" hangingPunct="1">
+              <a:spcBef>
+                <a:spcPct val="20000"/>
+              </a:spcBef>
+              <a:spcAft>
+                <a:spcPts val="600"/>
+              </a:spcAft>
+              <a:buClr>
+                <a:schemeClr val="accent1"/>
+              </a:buClr>
+              <a:buFont typeface="Wingdings 2" charset="2"/>
+              <a:buChar char=""/>
+              <a:defRPr kumimoji="1" sz="1200" kern="1200">
+                <a:solidFill>
+                  <a:schemeClr val="tx1"/>
+                </a:solidFill>
+                <a:latin typeface="+mn-lt"/>
+                <a:ea typeface="+mn-ea"/>
+                <a:cs typeface="+mn-cs"/>
+              </a:defRPr>
+            </a:lvl6pPr>
+            <a:lvl7pPr marL="2800000" indent="-228600" algn="l" defTabSz="457200" rtl="0" eaLnBrk="1" latinLnBrk="0" hangingPunct="1">
+              <a:spcBef>
+                <a:spcPct val="20000"/>
+              </a:spcBef>
+              <a:spcAft>
+                <a:spcPts val="600"/>
+              </a:spcAft>
+              <a:buClr>
+                <a:schemeClr val="accent1"/>
+              </a:buClr>
+              <a:buFont typeface="Wingdings 2" charset="2"/>
+              <a:buChar char=""/>
+              <a:defRPr kumimoji="1" sz="1200" kern="1200">
+                <a:solidFill>
+                  <a:schemeClr val="tx1"/>
+                </a:solidFill>
+                <a:latin typeface="+mn-lt"/>
+                <a:ea typeface="+mn-ea"/>
+                <a:cs typeface="+mn-cs"/>
+              </a:defRPr>
+            </a:lvl7pPr>
+            <a:lvl8pPr marL="3200000" indent="-228600" algn="l" defTabSz="457200" rtl="0" eaLnBrk="1" latinLnBrk="0" hangingPunct="1">
+              <a:spcBef>
+                <a:spcPct val="20000"/>
+              </a:spcBef>
+              <a:spcAft>
+                <a:spcPts val="600"/>
+              </a:spcAft>
+              <a:buClr>
+                <a:schemeClr val="accent1"/>
+              </a:buClr>
+              <a:buFont typeface="Wingdings 2" charset="2"/>
+              <a:buChar char=""/>
+              <a:defRPr kumimoji="1" sz="1200" kern="1200">
+                <a:solidFill>
+                  <a:schemeClr val="tx1"/>
+                </a:solidFill>
+                <a:latin typeface="+mn-lt"/>
+                <a:ea typeface="+mn-ea"/>
+                <a:cs typeface="+mn-cs"/>
+              </a:defRPr>
+            </a:lvl8pPr>
+            <a:lvl9pPr marL="3600000" indent="-228600" algn="l" defTabSz="457200" rtl="0" eaLnBrk="1" latinLnBrk="0" hangingPunct="1">
+              <a:spcBef>
+                <a:spcPct val="20000"/>
+              </a:spcBef>
+              <a:spcAft>
+                <a:spcPts val="600"/>
+              </a:spcAft>
+              <a:buClr>
+                <a:schemeClr val="accent1"/>
+              </a:buClr>
+              <a:buFont typeface="Wingdings 2" charset="2"/>
+              <a:buChar char=""/>
+              <a:defRPr kumimoji="1" sz="1200" kern="1200">
+                <a:solidFill>
+                  <a:schemeClr val="tx1"/>
+                </a:solidFill>
+                <a:latin typeface="+mn-lt"/>
+                <a:ea typeface="+mn-ea"/>
+                <a:cs typeface="+mn-cs"/>
+              </a:defRPr>
+            </a:lvl9pPr>
+          </a:lstStyle>
+          <a:p>
+            <a:r>
+              <a:rPr lang="en-US" altLang="ja-JP" dirty="0"/>
               <a:t>Ren </a:t>
             </a:r>
             <a:r>
-              <a:rPr kumimoji="1" lang="en-US" altLang="ja-JP" dirty="0" err="1"/>
+              <a:rPr lang="en-US" altLang="ja-JP" dirty="0" err="1"/>
               <a:t>Munakata</a:t>
             </a:r>
-            <a:endParaRPr kumimoji="1" lang="en-US" altLang="ja-JP" dirty="0"/>
+            <a:endParaRPr lang="en-US" altLang="ja-JP" dirty="0"/>
           </a:p>
           <a:p>
             <a:pPr marL="0" indent="0">
+              <a:buFont typeface="Wingdings 2" charset="2"/>
               <a:buNone/>
             </a:pPr>
             <a:r>
@@ -8216,21 +8470,34 @@
           </a:p>
           <a:p>
             <a:pPr marL="0" indent="0">
+              <a:buFont typeface="Wingdings 2" charset="2"/>
               <a:buNone/>
             </a:pPr>
             <a:r>
               <a:rPr lang="ja-JP" altLang="en-US"/>
-              <a:t>初期化の関数作成</a:t>
+              <a:t>データ入力、初期化の関数作成</a:t>
             </a:r>
             <a:endParaRPr lang="en-US" altLang="ja-JP" dirty="0"/>
           </a:p>
           <a:p>
             <a:pPr marL="0" indent="0">
+              <a:buFont typeface="Wingdings 2" charset="2"/>
               <a:buNone/>
             </a:pPr>
             <a:r>
               <a:rPr lang="ja-JP" altLang="en-US"/>
               <a:t>ヘッダーファイルの作成</a:t>
+            </a:r>
+            <a:endParaRPr lang="en-US" altLang="ja-JP" dirty="0"/>
+          </a:p>
+          <a:p>
+            <a:pPr marL="0" indent="0">
+              <a:buFont typeface="Wingdings 2" charset="2"/>
+              <a:buNone/>
+            </a:pPr>
+            <a:r>
+              <a:rPr lang="ja-JP" altLang="en-US"/>
+              <a:t>バグ修正</a:t>
             </a:r>
             <a:endParaRPr lang="en-US" altLang="ja-JP" dirty="0"/>
           </a:p>
@@ -8242,16 +8509,18 @@
           </a:p>
           <a:p>
             <a:pPr marL="0" indent="0">
+              <a:buFont typeface="Wingdings 2" charset="2"/>
               <a:buNone/>
             </a:pPr>
             <a:r>
               <a:rPr lang="ja-JP" altLang="en-US"/>
-              <a:t>関数交点を求める関数の作成</a:t>
+              <a:t>交点を求める関数の作成</a:t>
             </a:r>
             <a:endParaRPr lang="en-US" altLang="ja-JP" dirty="0"/>
           </a:p>
           <a:p>
             <a:pPr marL="0" indent="0">
+              <a:buFont typeface="Wingdings 2" charset="2"/>
               <a:buNone/>
             </a:pPr>
             <a:r>
@@ -8262,6 +8531,7 @@
           </a:p>
           <a:p>
             <a:pPr marL="0" indent="0">
+              <a:buFont typeface="Wingdings 2" charset="2"/>
               <a:buNone/>
             </a:pPr>
             <a:r>
@@ -8272,6 +8542,7 @@
           </a:p>
           <a:p>
             <a:pPr marL="0" indent="0">
+              <a:buFont typeface="Wingdings 2" charset="2"/>
               <a:buNone/>
             </a:pPr>
             <a:r>
@@ -8282,6 +8553,7 @@
           </a:p>
           <a:p>
             <a:pPr marL="0" indent="0">
+              <a:buFont typeface="Wingdings 2" charset="2"/>
               <a:buNone/>
             </a:pPr>
             <a:endParaRPr lang="en-US" altLang="ja-JP" dirty="0"/>
@@ -9519,7 +9791,7 @@
             </a:r>
             <a:r>
               <a:rPr lang="ja-JP" altLang="en-US" sz="4900"/>
-              <a:t>確定ノードからの伸びているエッジをそれぞれチェックし，「確定ノードまでのコスト＋エッジのコスト」を計算し，そのノードの現在値よりも小さければ更新する （経路情報も必要であれば，「どこから来たのか」を表す変数が確定ノードを指すようにする）。</a:t>
+              <a:t>確定ノードからの伸びているエッジをそれぞれチェックし，「確定ノードまでのコスト＋エッジのコスト」を計算し，そのノードの現在値よりも小さければ更新し、経路情報も「どこから来たのか」を表す変数に入れる。</a:t>
             </a:r>
             <a:br>
               <a:rPr lang="ja-JP" altLang="en-US" sz="4300"/>
@@ -9593,10 +9865,10 @@
       </p:sp>
       <p:pic>
         <p:nvPicPr>
-          <p:cNvPr id="12" name="図 11">
+          <p:cNvPr id="10" name="図 9">
             <a:extLst>
               <a:ext uri="{FF2B5EF4-FFF2-40B4-BE49-F238E27FC236}">
-                <a16:creationId xmlns:a16="http://schemas.microsoft.com/office/drawing/2014/main" id="{C52D4B9F-AFD6-0F4B-8875-B19E71DF0E36}"/>
+                <a16:creationId xmlns:a16="http://schemas.microsoft.com/office/drawing/2014/main" id="{5869DA65-9488-DC4C-9BF6-8C15566C2D35}"/>
               </a:ext>
             </a:extLst>
           </p:cNvPr>
@@ -9613,8 +9885,38 @@
         </p:blipFill>
         <p:spPr>
           <a:xfrm>
-            <a:off x="3853248" y="0"/>
-            <a:ext cx="4485503" cy="6858000"/>
+            <a:off x="0" y="127813"/>
+            <a:ext cx="5975498" cy="6634494"/>
+          </a:xfrm>
+          <a:prstGeom prst="rect">
+            <a:avLst/>
+          </a:prstGeom>
+        </p:spPr>
+      </p:pic>
+      <p:pic>
+        <p:nvPicPr>
+          <p:cNvPr id="13" name="図 12">
+            <a:extLst>
+              <a:ext uri="{FF2B5EF4-FFF2-40B4-BE49-F238E27FC236}">
+                <a16:creationId xmlns:a16="http://schemas.microsoft.com/office/drawing/2014/main" id="{B437FE91-AF79-7145-92F4-9E6DD8AC91B4}"/>
+              </a:ext>
+            </a:extLst>
+          </p:cNvPr>
+          <p:cNvPicPr>
+            <a:picLocks noChangeAspect="1"/>
+          </p:cNvPicPr>
+          <p:nvPr/>
+        </p:nvPicPr>
+        <p:blipFill>
+          <a:blip r:embed="rId4"/>
+          <a:stretch>
+            <a:fillRect/>
+          </a:stretch>
+        </p:blipFill>
+        <p:spPr>
+          <a:xfrm>
+            <a:off x="5876882" y="5092996"/>
+            <a:ext cx="6315118" cy="1669311"/>
           </a:xfrm>
           <a:prstGeom prst="rect">
             <a:avLst/>
